--- a/firstDraft/oscc_project_v1.pptx
+++ b/firstDraft/oscc_project_v1.pptx
@@ -298,7 +298,7 @@
           <a:p>
             <a:fld id="{D604A245-C8BD-064D-B7C3-50DA7C8D409F}" type="datetimeFigureOut">
               <a:rPr lang="en-US" smtClean="0"/>
-              <a:t>10/28/2013</a:t>
+              <a:t>10/29/2013</a:t>
             </a:fld>
             <a:endParaRPr lang="en-US"/>
           </a:p>
@@ -468,7 +468,7 @@
           <a:p>
             <a:fld id="{D604A245-C8BD-064D-B7C3-50DA7C8D409F}" type="datetimeFigureOut">
               <a:rPr lang="en-US" smtClean="0"/>
-              <a:t>10/28/2013</a:t>
+              <a:t>10/29/2013</a:t>
             </a:fld>
             <a:endParaRPr lang="en-US"/>
           </a:p>
@@ -648,7 +648,7 @@
           <a:p>
             <a:fld id="{D604A245-C8BD-064D-B7C3-50DA7C8D409F}" type="datetimeFigureOut">
               <a:rPr lang="en-US" smtClean="0"/>
-              <a:t>10/28/2013</a:t>
+              <a:t>10/29/2013</a:t>
             </a:fld>
             <a:endParaRPr lang="en-US"/>
           </a:p>
@@ -818,7 +818,7 @@
           <a:p>
             <a:fld id="{D604A245-C8BD-064D-B7C3-50DA7C8D409F}" type="datetimeFigureOut">
               <a:rPr lang="en-US" smtClean="0"/>
-              <a:t>10/28/2013</a:t>
+              <a:t>10/29/2013</a:t>
             </a:fld>
             <a:endParaRPr lang="en-US"/>
           </a:p>
@@ -1064,7 +1064,7 @@
           <a:p>
             <a:fld id="{D604A245-C8BD-064D-B7C3-50DA7C8D409F}" type="datetimeFigureOut">
               <a:rPr lang="en-US" smtClean="0"/>
-              <a:t>10/28/2013</a:t>
+              <a:t>10/29/2013</a:t>
             </a:fld>
             <a:endParaRPr lang="en-US"/>
           </a:p>
@@ -1352,7 +1352,7 @@
           <a:p>
             <a:fld id="{D604A245-C8BD-064D-B7C3-50DA7C8D409F}" type="datetimeFigureOut">
               <a:rPr lang="en-US" smtClean="0"/>
-              <a:t>10/28/2013</a:t>
+              <a:t>10/29/2013</a:t>
             </a:fld>
             <a:endParaRPr lang="en-US"/>
           </a:p>
@@ -1774,7 +1774,7 @@
           <a:p>
             <a:fld id="{D604A245-C8BD-064D-B7C3-50DA7C8D409F}" type="datetimeFigureOut">
               <a:rPr lang="en-US" smtClean="0"/>
-              <a:t>10/28/2013</a:t>
+              <a:t>10/29/2013</a:t>
             </a:fld>
             <a:endParaRPr lang="en-US"/>
           </a:p>
@@ -1892,7 +1892,7 @@
           <a:p>
             <a:fld id="{D604A245-C8BD-064D-B7C3-50DA7C8D409F}" type="datetimeFigureOut">
               <a:rPr lang="en-US" smtClean="0"/>
-              <a:t>10/28/2013</a:t>
+              <a:t>10/29/2013</a:t>
             </a:fld>
             <a:endParaRPr lang="en-US"/>
           </a:p>
@@ -1987,7 +1987,7 @@
           <a:p>
             <a:fld id="{D604A245-C8BD-064D-B7C3-50DA7C8D409F}" type="datetimeFigureOut">
               <a:rPr lang="en-US" smtClean="0"/>
-              <a:t>10/28/2013</a:t>
+              <a:t>10/29/2013</a:t>
             </a:fld>
             <a:endParaRPr lang="en-US"/>
           </a:p>
@@ -2264,7 +2264,7 @@
           <a:p>
             <a:fld id="{D604A245-C8BD-064D-B7C3-50DA7C8D409F}" type="datetimeFigureOut">
               <a:rPr lang="en-US" smtClean="0"/>
-              <a:t>10/28/2013</a:t>
+              <a:t>10/29/2013</a:t>
             </a:fld>
             <a:endParaRPr lang="en-US"/>
           </a:p>
@@ -2517,7 +2517,7 @@
           <a:p>
             <a:fld id="{D604A245-C8BD-064D-B7C3-50DA7C8D409F}" type="datetimeFigureOut">
               <a:rPr lang="en-US" smtClean="0"/>
-              <a:t>10/28/2013</a:t>
+              <a:t>10/29/2013</a:t>
             </a:fld>
             <a:endParaRPr lang="en-US"/>
           </a:p>
@@ -2730,7 +2730,7 @@
           <a:p>
             <a:fld id="{D604A245-C8BD-064D-B7C3-50DA7C8D409F}" type="datetimeFigureOut">
               <a:rPr lang="en-US" smtClean="0"/>
-              <a:t>10/28/2013</a:t>
+              <a:t>10/29/2013</a:t>
             </a:fld>
             <a:endParaRPr lang="en-US"/>
           </a:p>
@@ -7878,11 +7878,7 @@
           <a:p>
             <a:r>
               <a:rPr lang="en-US" dirty="0" smtClean="0"/>
-              <a:t>Three means: 1.001, 2.002, </a:t>
-            </a:r>
-            <a:r>
-              <a:rPr lang="en-US" dirty="0" smtClean="0"/>
-              <a:t>3.003</a:t>
+              <a:t>Three means: 1.001, 2.002, 3.003</a:t>
             </a:r>
           </a:p>
           <a:p>

--- a/firstDraft/oscc_project_v1.pptx
+++ b/firstDraft/oscc_project_v1.pptx
@@ -6,16 +6,24 @@
   </p:sldMasterIdLst>
   <p:sldIdLst>
     <p:sldId id="256" r:id="rId2"/>
-    <p:sldId id="263" r:id="rId3"/>
-    <p:sldId id="264" r:id="rId4"/>
-    <p:sldId id="265" r:id="rId5"/>
-    <p:sldId id="266" r:id="rId6"/>
-    <p:sldId id="257" r:id="rId7"/>
-    <p:sldId id="258" r:id="rId8"/>
-    <p:sldId id="259" r:id="rId9"/>
-    <p:sldId id="260" r:id="rId10"/>
-    <p:sldId id="261" r:id="rId11"/>
+    <p:sldId id="270" r:id="rId3"/>
+    <p:sldId id="267" r:id="rId4"/>
+    <p:sldId id="268" r:id="rId5"/>
+    <p:sldId id="269" r:id="rId6"/>
+    <p:sldId id="263" r:id="rId7"/>
+    <p:sldId id="264" r:id="rId8"/>
+    <p:sldId id="265" r:id="rId9"/>
+    <p:sldId id="266" r:id="rId10"/>
+    <p:sldId id="271" r:id="rId11"/>
     <p:sldId id="262" r:id="rId12"/>
+    <p:sldId id="261" r:id="rId13"/>
+    <p:sldId id="272" r:id="rId14"/>
+    <p:sldId id="257" r:id="rId15"/>
+    <p:sldId id="258" r:id="rId16"/>
+    <p:sldId id="259" r:id="rId17"/>
+    <p:sldId id="260" r:id="rId18"/>
+    <p:sldId id="273" r:id="rId19"/>
+    <p:sldId id="274" r:id="rId20"/>
   </p:sldIdLst>
   <p:sldSz cx="9144000" cy="6858000" type="screen4x3"/>
   <p:notesSz cx="6858000" cy="9144000"/>
@@ -298,7 +306,7 @@
           <a:p>
             <a:fld id="{D604A245-C8BD-064D-B7C3-50DA7C8D409F}" type="datetimeFigureOut">
               <a:rPr lang="en-US" smtClean="0"/>
-              <a:t>10/29/2013</a:t>
+              <a:t>10/30/2013</a:t>
             </a:fld>
             <a:endParaRPr lang="en-US"/>
           </a:p>
@@ -468,7 +476,7 @@
           <a:p>
             <a:fld id="{D604A245-C8BD-064D-B7C3-50DA7C8D409F}" type="datetimeFigureOut">
               <a:rPr lang="en-US" smtClean="0"/>
-              <a:t>10/29/2013</a:t>
+              <a:t>10/30/2013</a:t>
             </a:fld>
             <a:endParaRPr lang="en-US"/>
           </a:p>
@@ -648,7 +656,7 @@
           <a:p>
             <a:fld id="{D604A245-C8BD-064D-B7C3-50DA7C8D409F}" type="datetimeFigureOut">
               <a:rPr lang="en-US" smtClean="0"/>
-              <a:t>10/29/2013</a:t>
+              <a:t>10/30/2013</a:t>
             </a:fld>
             <a:endParaRPr lang="en-US"/>
           </a:p>
@@ -818,7 +826,7 @@
           <a:p>
             <a:fld id="{D604A245-C8BD-064D-B7C3-50DA7C8D409F}" type="datetimeFigureOut">
               <a:rPr lang="en-US" smtClean="0"/>
-              <a:t>10/29/2013</a:t>
+              <a:t>10/30/2013</a:t>
             </a:fld>
             <a:endParaRPr lang="en-US"/>
           </a:p>
@@ -1064,7 +1072,7 @@
           <a:p>
             <a:fld id="{D604A245-C8BD-064D-B7C3-50DA7C8D409F}" type="datetimeFigureOut">
               <a:rPr lang="en-US" smtClean="0"/>
-              <a:t>10/29/2013</a:t>
+              <a:t>10/30/2013</a:t>
             </a:fld>
             <a:endParaRPr lang="en-US"/>
           </a:p>
@@ -1352,7 +1360,7 @@
           <a:p>
             <a:fld id="{D604A245-C8BD-064D-B7C3-50DA7C8D409F}" type="datetimeFigureOut">
               <a:rPr lang="en-US" smtClean="0"/>
-              <a:t>10/29/2013</a:t>
+              <a:t>10/30/2013</a:t>
             </a:fld>
             <a:endParaRPr lang="en-US"/>
           </a:p>
@@ -1774,7 +1782,7 @@
           <a:p>
             <a:fld id="{D604A245-C8BD-064D-B7C3-50DA7C8D409F}" type="datetimeFigureOut">
               <a:rPr lang="en-US" smtClean="0"/>
-              <a:t>10/29/2013</a:t>
+              <a:t>10/30/2013</a:t>
             </a:fld>
             <a:endParaRPr lang="en-US"/>
           </a:p>
@@ -1892,7 +1900,7 @@
           <a:p>
             <a:fld id="{D604A245-C8BD-064D-B7C3-50DA7C8D409F}" type="datetimeFigureOut">
               <a:rPr lang="en-US" smtClean="0"/>
-              <a:t>10/29/2013</a:t>
+              <a:t>10/30/2013</a:t>
             </a:fld>
             <a:endParaRPr lang="en-US"/>
           </a:p>
@@ -1987,7 +1995,7 @@
           <a:p>
             <a:fld id="{D604A245-C8BD-064D-B7C3-50DA7C8D409F}" type="datetimeFigureOut">
               <a:rPr lang="en-US" smtClean="0"/>
-              <a:t>10/29/2013</a:t>
+              <a:t>10/30/2013</a:t>
             </a:fld>
             <a:endParaRPr lang="en-US"/>
           </a:p>
@@ -2264,7 +2272,7 @@
           <a:p>
             <a:fld id="{D604A245-C8BD-064D-B7C3-50DA7C8D409F}" type="datetimeFigureOut">
               <a:rPr lang="en-US" smtClean="0"/>
-              <a:t>10/29/2013</a:t>
+              <a:t>10/30/2013</a:t>
             </a:fld>
             <a:endParaRPr lang="en-US"/>
           </a:p>
@@ -2517,7 +2525,7 @@
           <a:p>
             <a:fld id="{D604A245-C8BD-064D-B7C3-50DA7C8D409F}" type="datetimeFigureOut">
               <a:rPr lang="en-US" smtClean="0"/>
-              <a:t>10/29/2013</a:t>
+              <a:t>10/30/2013</a:t>
             </a:fld>
             <a:endParaRPr lang="en-US"/>
           </a:p>
@@ -2730,7 +2738,7 @@
           <a:p>
             <a:fld id="{D604A245-C8BD-064D-B7C3-50DA7C8D409F}" type="datetimeFigureOut">
               <a:rPr lang="en-US" smtClean="0"/>
-              <a:t>10/29/2013</a:t>
+              <a:t>10/30/2013</a:t>
             </a:fld>
             <a:endParaRPr lang="en-US"/>
           </a:p>
@@ -3189,11 +3197,100 @@
           <a:chExt cx="0" cy="0"/>
         </a:xfrm>
       </p:grpSpPr>
+      <p:sp>
+        <p:nvSpPr>
+          <p:cNvPr id="2" name="Title 1"/>
+          <p:cNvSpPr>
+            <a:spLocks noGrp="1"/>
+          </p:cNvSpPr>
+          <p:nvPr>
+            <p:ph type="title"/>
+          </p:nvPr>
+        </p:nvSpPr>
+        <p:spPr/>
+        <p:txBody>
+          <a:bodyPr/>
+          <a:lstStyle/>
+          <a:p>
+            <a:r>
+              <a:rPr lang="en-US" dirty="0" smtClean="0"/>
+              <a:t>Two prediction model fitting</a:t>
+            </a:r>
+            <a:endParaRPr lang="en-US" dirty="0"/>
+          </a:p>
+        </p:txBody>
+      </p:sp>
+      <p:sp>
+        <p:nvSpPr>
+          <p:cNvPr id="4" name="Content Placeholder 3"/>
+          <p:cNvSpPr>
+            <a:spLocks noGrp="1"/>
+          </p:cNvSpPr>
+          <p:nvPr>
+            <p:ph sz="half" idx="2"/>
+          </p:nvPr>
+        </p:nvSpPr>
+        <p:spPr>
+          <a:xfrm>
+            <a:off x="457200" y="1535113"/>
+            <a:ext cx="3888889" cy="4591050"/>
+          </a:xfrm>
+        </p:spPr>
+        <p:txBody>
+          <a:bodyPr/>
+          <a:lstStyle/>
+          <a:p>
+            <a:r>
+              <a:rPr lang="en-US" dirty="0" smtClean="0"/>
+              <a:t>Data was randomly separated to training and testing (</a:t>
+            </a:r>
+            <a:r>
+              <a:rPr lang="en-US" dirty="0"/>
+              <a:t>7:2) </a:t>
+            </a:r>
+            <a:endParaRPr lang="en-US" dirty="0" smtClean="0"/>
+          </a:p>
+          <a:p>
+            <a:r>
+              <a:rPr lang="en-US" dirty="0" smtClean="0"/>
+              <a:t>Two models were tested</a:t>
+            </a:r>
+          </a:p>
+          <a:p>
+            <a:pPr lvl="1"/>
+            <a:r>
+              <a:rPr lang="en-US" dirty="0" err="1" smtClean="0"/>
+              <a:t>NaïveBayes</a:t>
+            </a:r>
+            <a:endParaRPr lang="en-US" dirty="0" smtClean="0"/>
+          </a:p>
+          <a:p>
+            <a:pPr lvl="1"/>
+            <a:r>
+              <a:rPr lang="en-US" dirty="0" smtClean="0"/>
+              <a:t>SVM</a:t>
+            </a:r>
+          </a:p>
+          <a:p>
+            <a:r>
+              <a:rPr lang="en-US" dirty="0" smtClean="0"/>
+              <a:t>Prediction was applied on the testing data</a:t>
+            </a:r>
+          </a:p>
+          <a:p>
+            <a:r>
+              <a:rPr lang="en-US" dirty="0" smtClean="0"/>
+              <a:t>And, the results</a:t>
+            </a:r>
+            <a:endParaRPr lang="en-US" dirty="0"/>
+          </a:p>
+        </p:txBody>
+      </p:sp>
       <p:pic>
         <p:nvPicPr>
-          <p:cNvPr id="2" name="Picture 1"/>
+          <p:cNvPr id="1027" name="Picture 3"/>
           <p:cNvPicPr>
-            <a:picLocks noChangeAspect="1"/>
+            <a:picLocks noChangeAspect="1" noChangeArrowheads="1"/>
           </p:cNvPicPr>
           <p:nvPr/>
         </p:nvPicPr>
@@ -3205,30 +3302,390 @@
               </a:ext>
             </a:extLst>
           </a:blip>
+          <a:srcRect/>
           <a:stretch>
             <a:fillRect/>
           </a:stretch>
         </p:blipFill>
-        <p:spPr>
+        <p:spPr bwMode="auto">
           <a:xfrm>
-            <a:off x="1371600" y="233362"/>
-            <a:ext cx="6400800" cy="6391275"/>
+            <a:off x="4606401" y="1637230"/>
+            <a:ext cx="4068400" cy="4365530"/>
           </a:xfrm>
           <a:prstGeom prst="rect">
             <a:avLst/>
           </a:prstGeom>
+          <a:noFill/>
+          <a:ln>
+            <a:noFill/>
+          </a:ln>
+          <a:extLst>
+            <a:ext uri="{909E8E84-426E-40DD-AFC4-6F175D3DCCD1}">
+              <a14:hiddenFill xmlns:a14="http://schemas.microsoft.com/office/drawing/2010/main">
+                <a:solidFill>
+                  <a:schemeClr val="accent1"/>
+                </a:solidFill>
+              </a14:hiddenFill>
+            </a:ext>
+            <a:ext uri="{91240B29-F687-4F45-9708-019B960494DF}">
+              <a14:hiddenLine xmlns:a14="http://schemas.microsoft.com/office/drawing/2010/main" w="9525">
+                <a:solidFill>
+                  <a:schemeClr val="tx1"/>
+                </a:solidFill>
+                <a:miter lim="800000"/>
+                <a:headEnd/>
+                <a:tailEnd/>
+              </a14:hiddenLine>
+            </a:ext>
+          </a:extLst>
         </p:spPr>
       </p:pic>
     </p:spTree>
     <p:extLst>
       <p:ext uri="{BB962C8B-B14F-4D97-AF65-F5344CB8AC3E}">
-        <p14:creationId xmlns:p14="http://schemas.microsoft.com/office/powerpoint/2010/main" val="2009148213"/>
+        <p14:creationId xmlns:p14="http://schemas.microsoft.com/office/powerpoint/2010/main" val="4214234576"/>
       </p:ext>
     </p:extLst>
   </p:cSld>
   <p:clrMapOvr>
     <a:masterClrMapping/>
   </p:clrMapOvr>
+  <p:timing>
+    <p:tnLst>
+      <p:par>
+        <p:cTn id="1" dur="indefinite" restart="never" nodeType="tmRoot">
+          <p:childTnLst>
+            <p:seq concurrent="1" nextAc="seek">
+              <p:cTn id="2" dur="indefinite" nodeType="mainSeq">
+                <p:childTnLst>
+                  <p:par>
+                    <p:cTn id="3" fill="hold">
+                      <p:stCondLst>
+                        <p:cond delay="indefinite"/>
+                      </p:stCondLst>
+                      <p:childTnLst>
+                        <p:par>
+                          <p:cTn id="4" fill="hold">
+                            <p:stCondLst>
+                              <p:cond delay="0"/>
+                            </p:stCondLst>
+                            <p:childTnLst>
+                              <p:par>
+                                <p:cTn id="5" presetID="1" presetClass="entr" presetSubtype="0" fill="hold" grpId="0" nodeType="clickEffect">
+                                  <p:stCondLst>
+                                    <p:cond delay="0"/>
+                                  </p:stCondLst>
+                                  <p:childTnLst>
+                                    <p:set>
+                                      <p:cBhvr>
+                                        <p:cTn id="6" dur="1" fill="hold">
+                                          <p:stCondLst>
+                                            <p:cond delay="0"/>
+                                          </p:stCondLst>
+                                        </p:cTn>
+                                        <p:tgtEl>
+                                          <p:spTgt spid="4">
+                                            <p:txEl>
+                                              <p:pRg st="0" end="0"/>
+                                            </p:txEl>
+                                          </p:spTgt>
+                                        </p:tgtEl>
+                                        <p:attrNameLst>
+                                          <p:attrName>style.visibility</p:attrName>
+                                        </p:attrNameLst>
+                                      </p:cBhvr>
+                                      <p:to>
+                                        <p:strVal val="visible"/>
+                                      </p:to>
+                                    </p:set>
+                                  </p:childTnLst>
+                                </p:cTn>
+                              </p:par>
+                            </p:childTnLst>
+                          </p:cTn>
+                        </p:par>
+                      </p:childTnLst>
+                    </p:cTn>
+                  </p:par>
+                  <p:par>
+                    <p:cTn id="7" fill="hold">
+                      <p:stCondLst>
+                        <p:cond delay="indefinite"/>
+                      </p:stCondLst>
+                      <p:childTnLst>
+                        <p:par>
+                          <p:cTn id="8" fill="hold">
+                            <p:stCondLst>
+                              <p:cond delay="0"/>
+                            </p:stCondLst>
+                            <p:childTnLst>
+                              <p:par>
+                                <p:cTn id="9" presetID="1" presetClass="entr" presetSubtype="0" fill="hold" grpId="0" nodeType="clickEffect">
+                                  <p:stCondLst>
+                                    <p:cond delay="0"/>
+                                  </p:stCondLst>
+                                  <p:childTnLst>
+                                    <p:set>
+                                      <p:cBhvr>
+                                        <p:cTn id="10" dur="1" fill="hold">
+                                          <p:stCondLst>
+                                            <p:cond delay="0"/>
+                                          </p:stCondLst>
+                                        </p:cTn>
+                                        <p:tgtEl>
+                                          <p:spTgt spid="4">
+                                            <p:txEl>
+                                              <p:pRg st="1" end="1"/>
+                                            </p:txEl>
+                                          </p:spTgt>
+                                        </p:tgtEl>
+                                        <p:attrNameLst>
+                                          <p:attrName>style.visibility</p:attrName>
+                                        </p:attrNameLst>
+                                      </p:cBhvr>
+                                      <p:to>
+                                        <p:strVal val="visible"/>
+                                      </p:to>
+                                    </p:set>
+                                  </p:childTnLst>
+                                </p:cTn>
+                              </p:par>
+                              <p:par>
+                                <p:cTn id="11" presetID="1" presetClass="entr" presetSubtype="0" fill="hold" grpId="0" nodeType="withEffect">
+                                  <p:stCondLst>
+                                    <p:cond delay="0"/>
+                                  </p:stCondLst>
+                                  <p:childTnLst>
+                                    <p:set>
+                                      <p:cBhvr>
+                                        <p:cTn id="12" dur="1" fill="hold">
+                                          <p:stCondLst>
+                                            <p:cond delay="0"/>
+                                          </p:stCondLst>
+                                        </p:cTn>
+                                        <p:tgtEl>
+                                          <p:spTgt spid="4">
+                                            <p:txEl>
+                                              <p:pRg st="2" end="2"/>
+                                            </p:txEl>
+                                          </p:spTgt>
+                                        </p:tgtEl>
+                                        <p:attrNameLst>
+                                          <p:attrName>style.visibility</p:attrName>
+                                        </p:attrNameLst>
+                                      </p:cBhvr>
+                                      <p:to>
+                                        <p:strVal val="visible"/>
+                                      </p:to>
+                                    </p:set>
+                                  </p:childTnLst>
+                                </p:cTn>
+                              </p:par>
+                              <p:par>
+                                <p:cTn id="13" presetID="1" presetClass="entr" presetSubtype="0" fill="hold" grpId="0" nodeType="withEffect">
+                                  <p:stCondLst>
+                                    <p:cond delay="0"/>
+                                  </p:stCondLst>
+                                  <p:childTnLst>
+                                    <p:set>
+                                      <p:cBhvr>
+                                        <p:cTn id="14" dur="1" fill="hold">
+                                          <p:stCondLst>
+                                            <p:cond delay="0"/>
+                                          </p:stCondLst>
+                                        </p:cTn>
+                                        <p:tgtEl>
+                                          <p:spTgt spid="4">
+                                            <p:txEl>
+                                              <p:pRg st="3" end="3"/>
+                                            </p:txEl>
+                                          </p:spTgt>
+                                        </p:tgtEl>
+                                        <p:attrNameLst>
+                                          <p:attrName>style.visibility</p:attrName>
+                                        </p:attrNameLst>
+                                      </p:cBhvr>
+                                      <p:to>
+                                        <p:strVal val="visible"/>
+                                      </p:to>
+                                    </p:set>
+                                  </p:childTnLst>
+                                </p:cTn>
+                              </p:par>
+                            </p:childTnLst>
+                          </p:cTn>
+                        </p:par>
+                      </p:childTnLst>
+                    </p:cTn>
+                  </p:par>
+                  <p:par>
+                    <p:cTn id="15" fill="hold">
+                      <p:stCondLst>
+                        <p:cond delay="indefinite"/>
+                      </p:stCondLst>
+                      <p:childTnLst>
+                        <p:par>
+                          <p:cTn id="16" fill="hold">
+                            <p:stCondLst>
+                              <p:cond delay="0"/>
+                            </p:stCondLst>
+                            <p:childTnLst>
+                              <p:par>
+                                <p:cTn id="17" presetID="1" presetClass="entr" presetSubtype="0" fill="hold" grpId="0" nodeType="clickEffect">
+                                  <p:stCondLst>
+                                    <p:cond delay="0"/>
+                                  </p:stCondLst>
+                                  <p:childTnLst>
+                                    <p:set>
+                                      <p:cBhvr>
+                                        <p:cTn id="18" dur="1" fill="hold">
+                                          <p:stCondLst>
+                                            <p:cond delay="0"/>
+                                          </p:stCondLst>
+                                        </p:cTn>
+                                        <p:tgtEl>
+                                          <p:spTgt spid="4">
+                                            <p:txEl>
+                                              <p:pRg st="4" end="4"/>
+                                            </p:txEl>
+                                          </p:spTgt>
+                                        </p:tgtEl>
+                                        <p:attrNameLst>
+                                          <p:attrName>style.visibility</p:attrName>
+                                        </p:attrNameLst>
+                                      </p:cBhvr>
+                                      <p:to>
+                                        <p:strVal val="visible"/>
+                                      </p:to>
+                                    </p:set>
+                                  </p:childTnLst>
+                                </p:cTn>
+                              </p:par>
+                            </p:childTnLst>
+                          </p:cTn>
+                        </p:par>
+                      </p:childTnLst>
+                    </p:cTn>
+                  </p:par>
+                  <p:par>
+                    <p:cTn id="19" fill="hold">
+                      <p:stCondLst>
+                        <p:cond delay="indefinite"/>
+                      </p:stCondLst>
+                      <p:childTnLst>
+                        <p:par>
+                          <p:cTn id="20" fill="hold">
+                            <p:stCondLst>
+                              <p:cond delay="0"/>
+                            </p:stCondLst>
+                            <p:childTnLst>
+                              <p:par>
+                                <p:cTn id="21" presetID="1" presetClass="entr" presetSubtype="0" fill="hold" grpId="0" nodeType="clickEffect">
+                                  <p:stCondLst>
+                                    <p:cond delay="0"/>
+                                  </p:stCondLst>
+                                  <p:childTnLst>
+                                    <p:set>
+                                      <p:cBhvr>
+                                        <p:cTn id="22" dur="1" fill="hold">
+                                          <p:stCondLst>
+                                            <p:cond delay="0"/>
+                                          </p:stCondLst>
+                                        </p:cTn>
+                                        <p:tgtEl>
+                                          <p:spTgt spid="4">
+                                            <p:txEl>
+                                              <p:pRg st="5" end="5"/>
+                                            </p:txEl>
+                                          </p:spTgt>
+                                        </p:tgtEl>
+                                        <p:attrNameLst>
+                                          <p:attrName>style.visibility</p:attrName>
+                                        </p:attrNameLst>
+                                      </p:cBhvr>
+                                      <p:to>
+                                        <p:strVal val="visible"/>
+                                      </p:to>
+                                    </p:set>
+                                  </p:childTnLst>
+                                </p:cTn>
+                              </p:par>
+                            </p:childTnLst>
+                          </p:cTn>
+                        </p:par>
+                      </p:childTnLst>
+                    </p:cTn>
+                  </p:par>
+                  <p:par>
+                    <p:cTn id="23" fill="hold">
+                      <p:stCondLst>
+                        <p:cond delay="indefinite"/>
+                      </p:stCondLst>
+                      <p:childTnLst>
+                        <p:par>
+                          <p:cTn id="24" fill="hold">
+                            <p:stCondLst>
+                              <p:cond delay="0"/>
+                            </p:stCondLst>
+                            <p:childTnLst>
+                              <p:par>
+                                <p:cTn id="25" presetID="1" presetClass="entr" presetSubtype="0" fill="hold" nodeType="clickEffect">
+                                  <p:stCondLst>
+                                    <p:cond delay="0"/>
+                                  </p:stCondLst>
+                                  <p:childTnLst>
+                                    <p:set>
+                                      <p:cBhvr>
+                                        <p:cTn id="26" dur="1" fill="hold">
+                                          <p:stCondLst>
+                                            <p:cond delay="0"/>
+                                          </p:stCondLst>
+                                        </p:cTn>
+                                        <p:tgtEl>
+                                          <p:spTgt spid="1027"/>
+                                        </p:tgtEl>
+                                        <p:attrNameLst>
+                                          <p:attrName>style.visibility</p:attrName>
+                                        </p:attrNameLst>
+                                      </p:cBhvr>
+                                      <p:to>
+                                        <p:strVal val="visible"/>
+                                      </p:to>
+                                    </p:set>
+                                  </p:childTnLst>
+                                </p:cTn>
+                              </p:par>
+                            </p:childTnLst>
+                          </p:cTn>
+                        </p:par>
+                      </p:childTnLst>
+                    </p:cTn>
+                  </p:par>
+                </p:childTnLst>
+              </p:cTn>
+              <p:prevCondLst>
+                <p:cond evt="onPrev" delay="0">
+                  <p:tgtEl>
+                    <p:sldTgt/>
+                  </p:tgtEl>
+                </p:cond>
+              </p:prevCondLst>
+              <p:nextCondLst>
+                <p:cond evt="onNext" delay="0">
+                  <p:tgtEl>
+                    <p:sldTgt/>
+                  </p:tgtEl>
+                </p:cond>
+              </p:nextCondLst>
+            </p:seq>
+          </p:childTnLst>
+        </p:cTn>
+      </p:par>
+    </p:tnLst>
+    <p:bldLst>
+      <p:bldP spid="4" grpId="0" build="p"/>
+    </p:bldLst>
+  </p:timing>
 </p:sld>
 </file>
 
@@ -3342,10 +3799,2297 @@
   <p:clrMapOvr>
     <a:masterClrMapping/>
   </p:clrMapOvr>
+  <p:timing>
+    <p:tnLst>
+      <p:par>
+        <p:cTn id="1" dur="indefinite" restart="never" nodeType="tmRoot"/>
+      </p:par>
+    </p:tnLst>
+  </p:timing>
+</p:sld>
+</file>
+
+<file path=ppt/slides/slide12.xml><?xml version="1.0" encoding="utf-8"?>
+<p:sld xmlns:a="http://schemas.openxmlformats.org/drawingml/2006/main" xmlns:r="http://schemas.openxmlformats.org/officeDocument/2006/relationships" xmlns:p="http://schemas.openxmlformats.org/presentationml/2006/main">
+  <p:cSld>
+    <p:spTree>
+      <p:nvGrpSpPr>
+        <p:cNvPr id="1" name=""/>
+        <p:cNvGrpSpPr/>
+        <p:nvPr/>
+      </p:nvGrpSpPr>
+      <p:grpSpPr>
+        <a:xfrm>
+          <a:off x="0" y="0"/>
+          <a:ext cx="0" cy="0"/>
+          <a:chOff x="0" y="0"/>
+          <a:chExt cx="0" cy="0"/>
+        </a:xfrm>
+      </p:grpSpPr>
+      <p:pic>
+        <p:nvPicPr>
+          <p:cNvPr id="2" name="Picture 1"/>
+          <p:cNvPicPr>
+            <a:picLocks noChangeAspect="1"/>
+          </p:cNvPicPr>
+          <p:nvPr/>
+        </p:nvPicPr>
+        <p:blipFill>
+          <a:blip r:embed="rId2">
+            <a:extLst>
+              <a:ext uri="{28A0092B-C50C-407E-A947-70E740481C1C}">
+                <a14:useLocalDpi xmlns:a14="http://schemas.microsoft.com/office/drawing/2010/main" val="0"/>
+              </a:ext>
+            </a:extLst>
+          </a:blip>
+          <a:stretch>
+            <a:fillRect/>
+          </a:stretch>
+        </p:blipFill>
+        <p:spPr>
+          <a:xfrm>
+            <a:off x="1371600" y="233362"/>
+            <a:ext cx="6400800" cy="6391275"/>
+          </a:xfrm>
+          <a:prstGeom prst="rect">
+            <a:avLst/>
+          </a:prstGeom>
+        </p:spPr>
+      </p:pic>
+    </p:spTree>
+    <p:extLst>
+      <p:ext uri="{BB962C8B-B14F-4D97-AF65-F5344CB8AC3E}">
+        <p14:creationId xmlns:p14="http://schemas.microsoft.com/office/powerpoint/2010/main" val="2009148213"/>
+      </p:ext>
+    </p:extLst>
+  </p:cSld>
+  <p:clrMapOvr>
+    <a:masterClrMapping/>
+  </p:clrMapOvr>
+  <p:timing>
+    <p:tnLst>
+      <p:par>
+        <p:cTn id="1" dur="indefinite" restart="never" nodeType="tmRoot"/>
+      </p:par>
+    </p:tnLst>
+  </p:timing>
+</p:sld>
+</file>
+
+<file path=ppt/slides/slide13.xml><?xml version="1.0" encoding="utf-8"?>
+<p:sld xmlns:a="http://schemas.openxmlformats.org/drawingml/2006/main" xmlns:r="http://schemas.openxmlformats.org/officeDocument/2006/relationships" xmlns:p="http://schemas.openxmlformats.org/presentationml/2006/main">
+  <p:cSld>
+    <p:spTree>
+      <p:nvGrpSpPr>
+        <p:cNvPr id="1" name=""/>
+        <p:cNvGrpSpPr/>
+        <p:nvPr/>
+      </p:nvGrpSpPr>
+      <p:grpSpPr>
+        <a:xfrm>
+          <a:off x="0" y="0"/>
+          <a:ext cx="0" cy="0"/>
+          <a:chOff x="0" y="0"/>
+          <a:chExt cx="0" cy="0"/>
+        </a:xfrm>
+      </p:grpSpPr>
+      <p:sp>
+        <p:nvSpPr>
+          <p:cNvPr id="2" name="Title 1"/>
+          <p:cNvSpPr>
+            <a:spLocks noGrp="1"/>
+          </p:cNvSpPr>
+          <p:nvPr>
+            <p:ph type="title"/>
+          </p:nvPr>
+        </p:nvSpPr>
+        <p:spPr/>
+        <p:txBody>
+          <a:bodyPr/>
+          <a:lstStyle/>
+          <a:p>
+            <a:r>
+              <a:rPr lang="en-US" dirty="0" smtClean="0"/>
+              <a:t>One sample data</a:t>
+            </a:r>
+            <a:endParaRPr lang="en-US" dirty="0"/>
+          </a:p>
+        </p:txBody>
+      </p:sp>
+      <p:pic>
+        <p:nvPicPr>
+          <p:cNvPr id="4" name="Picture 3"/>
+          <p:cNvPicPr>
+            <a:picLocks noChangeAspect="1"/>
+          </p:cNvPicPr>
+          <p:nvPr/>
+        </p:nvPicPr>
+        <p:blipFill>
+          <a:blip r:embed="rId2">
+            <a:extLst>
+              <a:ext uri="{28A0092B-C50C-407E-A947-70E740481C1C}">
+                <a14:useLocalDpi xmlns:a14="http://schemas.microsoft.com/office/drawing/2010/main" val="0"/>
+              </a:ext>
+            </a:extLst>
+          </a:blip>
+          <a:stretch>
+            <a:fillRect/>
+          </a:stretch>
+        </p:blipFill>
+        <p:spPr>
+          <a:xfrm>
+            <a:off x="1947134" y="1318572"/>
+            <a:ext cx="5518673" cy="5510461"/>
+          </a:xfrm>
+          <a:prstGeom prst="rect">
+            <a:avLst/>
+          </a:prstGeom>
+        </p:spPr>
+      </p:pic>
+      <p:pic>
+        <p:nvPicPr>
+          <p:cNvPr id="2050" name="Picture 2"/>
+          <p:cNvPicPr>
+            <a:picLocks noChangeAspect="1" noChangeArrowheads="1"/>
+          </p:cNvPicPr>
+          <p:nvPr/>
+        </p:nvPicPr>
+        <p:blipFill>
+          <a:blip r:embed="rId3">
+            <a:extLst>
+              <a:ext uri="{28A0092B-C50C-407E-A947-70E740481C1C}">
+                <a14:useLocalDpi xmlns:a14="http://schemas.microsoft.com/office/drawing/2010/main" val="0"/>
+              </a:ext>
+            </a:extLst>
+          </a:blip>
+          <a:srcRect/>
+          <a:stretch>
+            <a:fillRect/>
+          </a:stretch>
+        </p:blipFill>
+        <p:spPr bwMode="auto">
+          <a:xfrm>
+            <a:off x="2613375" y="1983104"/>
+            <a:ext cx="2066925" cy="1400175"/>
+          </a:xfrm>
+          <a:prstGeom prst="rect">
+            <a:avLst/>
+          </a:prstGeom>
+          <a:noFill/>
+          <a:ln>
+            <a:noFill/>
+          </a:ln>
+          <a:extLst>
+            <a:ext uri="{909E8E84-426E-40DD-AFC4-6F175D3DCCD1}">
+              <a14:hiddenFill xmlns:a14="http://schemas.microsoft.com/office/drawing/2010/main">
+                <a:solidFill>
+                  <a:schemeClr val="accent1"/>
+                </a:solidFill>
+              </a14:hiddenFill>
+            </a:ext>
+            <a:ext uri="{91240B29-F687-4F45-9708-019B960494DF}">
+              <a14:hiddenLine xmlns:a14="http://schemas.microsoft.com/office/drawing/2010/main" w="9525">
+                <a:solidFill>
+                  <a:schemeClr val="tx1"/>
+                </a:solidFill>
+                <a:miter lim="800000"/>
+                <a:headEnd/>
+                <a:tailEnd/>
+              </a14:hiddenLine>
+            </a:ext>
+          </a:extLst>
+        </p:spPr>
+      </p:pic>
+    </p:spTree>
+    <p:extLst>
+      <p:ext uri="{BB962C8B-B14F-4D97-AF65-F5344CB8AC3E}">
+        <p14:creationId xmlns:p14="http://schemas.microsoft.com/office/powerpoint/2010/main" val="2829912025"/>
+      </p:ext>
+    </p:extLst>
+  </p:cSld>
+  <p:clrMapOvr>
+    <a:masterClrMapping/>
+  </p:clrMapOvr>
+  <p:timing>
+    <p:tnLst>
+      <p:par>
+        <p:cTn id="1" dur="indefinite" restart="never" nodeType="tmRoot"/>
+      </p:par>
+    </p:tnLst>
+  </p:timing>
+</p:sld>
+</file>
+
+<file path=ppt/slides/slide14.xml><?xml version="1.0" encoding="utf-8"?>
+<p:sld xmlns:a="http://schemas.openxmlformats.org/drawingml/2006/main" xmlns:r="http://schemas.openxmlformats.org/officeDocument/2006/relationships" xmlns:p="http://schemas.openxmlformats.org/presentationml/2006/main">
+  <p:cSld>
+    <p:spTree>
+      <p:nvGrpSpPr>
+        <p:cNvPr id="1" name=""/>
+        <p:cNvGrpSpPr/>
+        <p:nvPr/>
+      </p:nvGrpSpPr>
+      <p:grpSpPr>
+        <a:xfrm>
+          <a:off x="0" y="0"/>
+          <a:ext cx="0" cy="0"/>
+          <a:chOff x="0" y="0"/>
+          <a:chExt cx="0" cy="0"/>
+        </a:xfrm>
+      </p:grpSpPr>
+      <p:sp>
+        <p:nvSpPr>
+          <p:cNvPr id="2" name="Title 1"/>
+          <p:cNvSpPr>
+            <a:spLocks noGrp="1"/>
+          </p:cNvSpPr>
+          <p:nvPr>
+            <p:ph type="title"/>
+          </p:nvPr>
+        </p:nvSpPr>
+        <p:spPr/>
+        <p:txBody>
+          <a:bodyPr/>
+          <a:lstStyle/>
+          <a:p>
+            <a:r>
+              <a:rPr lang="en-US" dirty="0" smtClean="0"/>
+              <a:t>Our </a:t>
+            </a:r>
+            <a:r>
+              <a:rPr lang="en-US" dirty="0" smtClean="0"/>
+              <a:t>first trial – step one</a:t>
+            </a:r>
+            <a:endParaRPr lang="en-US" dirty="0"/>
+          </a:p>
+        </p:txBody>
+      </p:sp>
+      <p:sp>
+        <p:nvSpPr>
+          <p:cNvPr id="3" name="Content Placeholder 2"/>
+          <p:cNvSpPr>
+            <a:spLocks noGrp="1"/>
+          </p:cNvSpPr>
+          <p:nvPr>
+            <p:ph idx="1"/>
+          </p:nvPr>
+        </p:nvSpPr>
+        <p:spPr/>
+        <p:txBody>
+          <a:bodyPr/>
+          <a:lstStyle/>
+          <a:p>
+            <a:r>
+              <a:rPr lang="en-US" dirty="0" smtClean="0"/>
+              <a:t>Three basic clusters of cell populations</a:t>
+            </a:r>
+          </a:p>
+          <a:p>
+            <a:pPr lvl="1"/>
+            <a:r>
+              <a:rPr lang="en-US" dirty="0" smtClean="0"/>
+              <a:t>D.I. value: 0.9 – 1.249</a:t>
+            </a:r>
+          </a:p>
+          <a:p>
+            <a:pPr lvl="1"/>
+            <a:r>
+              <a:rPr lang="en-US" dirty="0" smtClean="0"/>
+              <a:t>D.I. value: 1.250 – 2.299</a:t>
+            </a:r>
+          </a:p>
+          <a:p>
+            <a:pPr lvl="1"/>
+            <a:r>
+              <a:rPr lang="en-US" dirty="0" smtClean="0"/>
+              <a:t>D.I. value: &gt; 2.300</a:t>
+            </a:r>
+          </a:p>
+          <a:p>
+            <a:r>
+              <a:rPr lang="en-US" dirty="0" smtClean="0"/>
+              <a:t>Assuming equal C.V. across three populations, and estimated from “normal sample”: </a:t>
+            </a:r>
+          </a:p>
+          <a:p>
+            <a:r>
+              <a:rPr lang="en-US" dirty="0" smtClean="0"/>
+              <a:t>Three means: 1.001, 2.002, 3.003</a:t>
+            </a:r>
+          </a:p>
+          <a:p>
+            <a:endParaRPr lang="en-US" dirty="0" smtClean="0"/>
+          </a:p>
+        </p:txBody>
+      </p:sp>
+    </p:spTree>
+    <p:extLst>
+      <p:ext uri="{BB962C8B-B14F-4D97-AF65-F5344CB8AC3E}">
+        <p14:creationId xmlns:p14="http://schemas.microsoft.com/office/powerpoint/2010/main" val="4044279244"/>
+      </p:ext>
+    </p:extLst>
+  </p:cSld>
+  <p:clrMapOvr>
+    <a:masterClrMapping/>
+  </p:clrMapOvr>
+  <p:timing>
+    <p:tnLst>
+      <p:par>
+        <p:cTn id="1" dur="indefinite" restart="never" nodeType="tmRoot"/>
+      </p:par>
+    </p:tnLst>
+  </p:timing>
+</p:sld>
+</file>
+
+<file path=ppt/slides/slide15.xml><?xml version="1.0" encoding="utf-8"?>
+<p:sld xmlns:a="http://schemas.openxmlformats.org/drawingml/2006/main" xmlns:r="http://schemas.openxmlformats.org/officeDocument/2006/relationships" xmlns:p="http://schemas.openxmlformats.org/presentationml/2006/main">
+  <p:cSld>
+    <p:spTree>
+      <p:nvGrpSpPr>
+        <p:cNvPr id="1" name=""/>
+        <p:cNvGrpSpPr/>
+        <p:nvPr/>
+      </p:nvGrpSpPr>
+      <p:grpSpPr>
+        <a:xfrm>
+          <a:off x="0" y="0"/>
+          <a:ext cx="0" cy="0"/>
+          <a:chOff x="0" y="0"/>
+          <a:chExt cx="0" cy="0"/>
+        </a:xfrm>
+      </p:grpSpPr>
+      <p:pic>
+        <p:nvPicPr>
+          <p:cNvPr id="2" name="Picture 1"/>
+          <p:cNvPicPr>
+            <a:picLocks noChangeAspect="1"/>
+          </p:cNvPicPr>
+          <p:nvPr/>
+        </p:nvPicPr>
+        <p:blipFill>
+          <a:blip r:embed="rId2">
+            <a:extLst>
+              <a:ext uri="{28A0092B-C50C-407E-A947-70E740481C1C}">
+                <a14:useLocalDpi xmlns:a14="http://schemas.microsoft.com/office/drawing/2010/main" val="0"/>
+              </a:ext>
+            </a:extLst>
+          </a:blip>
+          <a:stretch>
+            <a:fillRect/>
+          </a:stretch>
+        </p:blipFill>
+        <p:spPr>
+          <a:xfrm>
+            <a:off x="1371600" y="233362"/>
+            <a:ext cx="6400800" cy="6391275"/>
+          </a:xfrm>
+          <a:prstGeom prst="rect">
+            <a:avLst/>
+          </a:prstGeom>
+        </p:spPr>
+      </p:pic>
+    </p:spTree>
+    <p:extLst>
+      <p:ext uri="{BB962C8B-B14F-4D97-AF65-F5344CB8AC3E}">
+        <p14:creationId xmlns:p14="http://schemas.microsoft.com/office/powerpoint/2010/main" val="59041874"/>
+      </p:ext>
+    </p:extLst>
+  </p:cSld>
+  <p:clrMapOvr>
+    <a:masterClrMapping/>
+  </p:clrMapOvr>
+  <p:timing>
+    <p:tnLst>
+      <p:par>
+        <p:cTn id="1" dur="indefinite" restart="never" nodeType="tmRoot"/>
+      </p:par>
+    </p:tnLst>
+  </p:timing>
+</p:sld>
+</file>
+
+<file path=ppt/slides/slide16.xml><?xml version="1.0" encoding="utf-8"?>
+<p:sld xmlns:a="http://schemas.openxmlformats.org/drawingml/2006/main" xmlns:r="http://schemas.openxmlformats.org/officeDocument/2006/relationships" xmlns:p="http://schemas.openxmlformats.org/presentationml/2006/main">
+  <p:cSld>
+    <p:spTree>
+      <p:nvGrpSpPr>
+        <p:cNvPr id="1" name=""/>
+        <p:cNvGrpSpPr/>
+        <p:nvPr/>
+      </p:nvGrpSpPr>
+      <p:grpSpPr>
+        <a:xfrm>
+          <a:off x="0" y="0"/>
+          <a:ext cx="0" cy="0"/>
+          <a:chOff x="0" y="0"/>
+          <a:chExt cx="0" cy="0"/>
+        </a:xfrm>
+      </p:grpSpPr>
+      <p:pic>
+        <p:nvPicPr>
+          <p:cNvPr id="2" name="Picture 1"/>
+          <p:cNvPicPr>
+            <a:picLocks noChangeAspect="1"/>
+          </p:cNvPicPr>
+          <p:nvPr/>
+        </p:nvPicPr>
+        <p:blipFill>
+          <a:blip r:embed="rId2">
+            <a:extLst>
+              <a:ext uri="{28A0092B-C50C-407E-A947-70E740481C1C}">
+                <a14:useLocalDpi xmlns:a14="http://schemas.microsoft.com/office/drawing/2010/main" val="0"/>
+              </a:ext>
+            </a:extLst>
+          </a:blip>
+          <a:stretch>
+            <a:fillRect/>
+          </a:stretch>
+        </p:blipFill>
+        <p:spPr>
+          <a:xfrm>
+            <a:off x="1371600" y="233362"/>
+            <a:ext cx="6400800" cy="6391275"/>
+          </a:xfrm>
+          <a:prstGeom prst="rect">
+            <a:avLst/>
+          </a:prstGeom>
+        </p:spPr>
+      </p:pic>
+    </p:spTree>
+    <p:extLst>
+      <p:ext uri="{BB962C8B-B14F-4D97-AF65-F5344CB8AC3E}">
+        <p14:creationId xmlns:p14="http://schemas.microsoft.com/office/powerpoint/2010/main" val="2787794842"/>
+      </p:ext>
+    </p:extLst>
+  </p:cSld>
+  <p:clrMapOvr>
+    <a:masterClrMapping/>
+  </p:clrMapOvr>
+  <p:timing>
+    <p:tnLst>
+      <p:par>
+        <p:cTn id="1" dur="indefinite" restart="never" nodeType="tmRoot"/>
+      </p:par>
+    </p:tnLst>
+  </p:timing>
+</p:sld>
+</file>
+
+<file path=ppt/slides/slide17.xml><?xml version="1.0" encoding="utf-8"?>
+<p:sld xmlns:a="http://schemas.openxmlformats.org/drawingml/2006/main" xmlns:r="http://schemas.openxmlformats.org/officeDocument/2006/relationships" xmlns:p="http://schemas.openxmlformats.org/presentationml/2006/main">
+  <p:cSld>
+    <p:spTree>
+      <p:nvGrpSpPr>
+        <p:cNvPr id="1" name=""/>
+        <p:cNvGrpSpPr/>
+        <p:nvPr/>
+      </p:nvGrpSpPr>
+      <p:grpSpPr>
+        <a:xfrm>
+          <a:off x="0" y="0"/>
+          <a:ext cx="0" cy="0"/>
+          <a:chOff x="0" y="0"/>
+          <a:chExt cx="0" cy="0"/>
+        </a:xfrm>
+      </p:grpSpPr>
+      <p:sp>
+        <p:nvSpPr>
+          <p:cNvPr id="2" name="Title 1"/>
+          <p:cNvSpPr>
+            <a:spLocks noGrp="1"/>
+          </p:cNvSpPr>
+          <p:nvPr>
+            <p:ph type="title"/>
+          </p:nvPr>
+        </p:nvSpPr>
+        <p:spPr/>
+        <p:txBody>
+          <a:bodyPr/>
+          <a:lstStyle/>
+          <a:p>
+            <a:r>
+              <a:rPr lang="en-US" dirty="0" smtClean="0"/>
+              <a:t>Our hurdle</a:t>
+            </a:r>
+            <a:endParaRPr lang="en-US" dirty="0"/>
+          </a:p>
+        </p:txBody>
+      </p:sp>
+      <p:sp>
+        <p:nvSpPr>
+          <p:cNvPr id="3" name="Content Placeholder 2"/>
+          <p:cNvSpPr>
+            <a:spLocks noGrp="1"/>
+          </p:cNvSpPr>
+          <p:nvPr>
+            <p:ph idx="1"/>
+          </p:nvPr>
+        </p:nvSpPr>
+        <p:spPr/>
+        <p:txBody>
+          <a:bodyPr/>
+          <a:lstStyle/>
+          <a:p>
+            <a:r>
+              <a:rPr lang="en-US" dirty="0" smtClean="0"/>
+              <a:t>Too much information from “normal” cluster</a:t>
+            </a:r>
+          </a:p>
+          <a:p>
+            <a:r>
+              <a:rPr lang="en-US" dirty="0" smtClean="0"/>
+              <a:t>Possible to detect the “mitotic” stage</a:t>
+            </a:r>
+          </a:p>
+          <a:p>
+            <a:r>
+              <a:rPr lang="en-US" dirty="0" smtClean="0"/>
+              <a:t>Impossible to detect “aneuploidy” stage</a:t>
+            </a:r>
+          </a:p>
+          <a:p>
+            <a:r>
+              <a:rPr lang="en-US" dirty="0" smtClean="0"/>
+              <a:t>Need to strip out the “normal” information first, but how?</a:t>
+            </a:r>
+          </a:p>
+          <a:p>
+            <a:pPr lvl="1"/>
+            <a:r>
+              <a:rPr lang="en-US" dirty="0" smtClean="0"/>
+              <a:t>Don’t know</a:t>
+            </a:r>
+          </a:p>
+          <a:p>
+            <a:pPr lvl="1"/>
+            <a:r>
+              <a:rPr lang="en-US" dirty="0" smtClean="0"/>
+              <a:t>Don’t know</a:t>
+            </a:r>
+          </a:p>
+          <a:p>
+            <a:pPr lvl="1"/>
+            <a:r>
+              <a:rPr lang="en-US" dirty="0" smtClean="0"/>
+              <a:t>Don’t know</a:t>
+            </a:r>
+            <a:endParaRPr lang="en-US" dirty="0"/>
+          </a:p>
+        </p:txBody>
+      </p:sp>
+    </p:spTree>
+    <p:extLst>
+      <p:ext uri="{BB962C8B-B14F-4D97-AF65-F5344CB8AC3E}">
+        <p14:creationId xmlns:p14="http://schemas.microsoft.com/office/powerpoint/2010/main" val="321139927"/>
+      </p:ext>
+    </p:extLst>
+  </p:cSld>
+  <p:clrMapOvr>
+    <a:masterClrMapping/>
+  </p:clrMapOvr>
+  <p:timing>
+    <p:tnLst>
+      <p:par>
+        <p:cTn id="1" dur="indefinite" restart="never" nodeType="tmRoot"/>
+      </p:par>
+    </p:tnLst>
+  </p:timing>
+</p:sld>
+</file>
+
+<file path=ppt/slides/slide18.xml><?xml version="1.0" encoding="utf-8"?>
+<p:sld xmlns:a="http://schemas.openxmlformats.org/drawingml/2006/main" xmlns:r="http://schemas.openxmlformats.org/officeDocument/2006/relationships" xmlns:p="http://schemas.openxmlformats.org/presentationml/2006/main">
+  <p:cSld>
+    <p:spTree>
+      <p:nvGrpSpPr>
+        <p:cNvPr id="1" name=""/>
+        <p:cNvGrpSpPr/>
+        <p:nvPr/>
+      </p:nvGrpSpPr>
+      <p:grpSpPr>
+        <a:xfrm>
+          <a:off x="0" y="0"/>
+          <a:ext cx="0" cy="0"/>
+          <a:chOff x="0" y="0"/>
+          <a:chExt cx="0" cy="0"/>
+        </a:xfrm>
+      </p:grpSpPr>
+      <p:sp>
+        <p:nvSpPr>
+          <p:cNvPr id="2" name="Title 1"/>
+          <p:cNvSpPr>
+            <a:spLocks noGrp="1"/>
+          </p:cNvSpPr>
+          <p:nvPr>
+            <p:ph type="title"/>
+          </p:nvPr>
+        </p:nvSpPr>
+        <p:spPr/>
+        <p:txBody>
+          <a:bodyPr/>
+          <a:lstStyle/>
+          <a:p>
+            <a:r>
+              <a:rPr lang="en-US" dirty="0" smtClean="0"/>
+              <a:t>On-going effort and future goal</a:t>
+            </a:r>
+            <a:endParaRPr lang="en-US" dirty="0"/>
+          </a:p>
+        </p:txBody>
+      </p:sp>
+      <p:sp>
+        <p:nvSpPr>
+          <p:cNvPr id="3" name="Content Placeholder 2"/>
+          <p:cNvSpPr>
+            <a:spLocks noGrp="1"/>
+          </p:cNvSpPr>
+          <p:nvPr>
+            <p:ph idx="1"/>
+          </p:nvPr>
+        </p:nvSpPr>
+        <p:spPr/>
+        <p:txBody>
+          <a:bodyPr>
+            <a:normAutofit fontScale="92500" lnSpcReduction="20000"/>
+          </a:bodyPr>
+          <a:lstStyle/>
+          <a:p>
+            <a:r>
+              <a:rPr lang="en-US" dirty="0" smtClean="0"/>
+              <a:t>Get sufficient summary statistics from ten of thousands cells (i.e. D.I. values)</a:t>
+            </a:r>
+          </a:p>
+          <a:p>
+            <a:r>
+              <a:rPr lang="en-US" dirty="0" smtClean="0"/>
+              <a:t>Evaluating the summary statistics</a:t>
+            </a:r>
+          </a:p>
+          <a:p>
+            <a:pPr lvl="1"/>
+            <a:r>
+              <a:rPr lang="en-US" dirty="0" smtClean="0"/>
+              <a:t>Reflect the mixture of distribution</a:t>
+            </a:r>
+          </a:p>
+          <a:p>
+            <a:pPr lvl="1"/>
+            <a:r>
+              <a:rPr lang="en-US" dirty="0" smtClean="0"/>
+              <a:t>Robust enough (enough information) to differentiation cell population</a:t>
+            </a:r>
+          </a:p>
+          <a:p>
+            <a:pPr lvl="1"/>
+            <a:r>
+              <a:rPr lang="en-US" dirty="0" smtClean="0"/>
+              <a:t>Capture cell population characteristics</a:t>
+            </a:r>
+          </a:p>
+          <a:p>
+            <a:r>
+              <a:rPr lang="en-US" dirty="0" smtClean="0"/>
+              <a:t>Building the prediction model</a:t>
+            </a:r>
+          </a:p>
+          <a:p>
+            <a:pPr lvl="1"/>
+            <a:r>
+              <a:rPr lang="en-US" dirty="0" smtClean="0"/>
+              <a:t>Assess model performance</a:t>
+            </a:r>
+          </a:p>
+          <a:p>
+            <a:pPr lvl="1"/>
+            <a:r>
+              <a:rPr lang="en-US" dirty="0" smtClean="0"/>
+              <a:t>Provide accurate diagnosis guidance</a:t>
+            </a:r>
+          </a:p>
+          <a:p>
+            <a:pPr lvl="1"/>
+            <a:r>
+              <a:rPr lang="en-US" dirty="0" smtClean="0"/>
+              <a:t>Constantly improve the model</a:t>
+            </a:r>
+            <a:endParaRPr lang="en-US" dirty="0"/>
+          </a:p>
+        </p:txBody>
+      </p:sp>
+    </p:spTree>
+    <p:extLst>
+      <p:ext uri="{BB962C8B-B14F-4D97-AF65-F5344CB8AC3E}">
+        <p14:creationId xmlns:p14="http://schemas.microsoft.com/office/powerpoint/2010/main" val="3069987933"/>
+      </p:ext>
+    </p:extLst>
+  </p:cSld>
+  <p:clrMapOvr>
+    <a:masterClrMapping/>
+  </p:clrMapOvr>
+  <p:timing>
+    <p:tnLst>
+      <p:par>
+        <p:cTn id="1" dur="indefinite" restart="never" nodeType="tmRoot"/>
+      </p:par>
+    </p:tnLst>
+  </p:timing>
+</p:sld>
+</file>
+
+<file path=ppt/slides/slide19.xml><?xml version="1.0" encoding="utf-8"?>
+<p:sld xmlns:a="http://schemas.openxmlformats.org/drawingml/2006/main" xmlns:r="http://schemas.openxmlformats.org/officeDocument/2006/relationships" xmlns:p="http://schemas.openxmlformats.org/presentationml/2006/main">
+  <p:cSld>
+    <p:spTree>
+      <p:nvGrpSpPr>
+        <p:cNvPr id="1" name=""/>
+        <p:cNvGrpSpPr/>
+        <p:nvPr/>
+      </p:nvGrpSpPr>
+      <p:grpSpPr>
+        <a:xfrm>
+          <a:off x="0" y="0"/>
+          <a:ext cx="0" cy="0"/>
+          <a:chOff x="0" y="0"/>
+          <a:chExt cx="0" cy="0"/>
+        </a:xfrm>
+      </p:grpSpPr>
+      <p:grpSp>
+        <p:nvGrpSpPr>
+          <p:cNvPr id="10" name="Group 9"/>
+          <p:cNvGrpSpPr/>
+          <p:nvPr/>
+        </p:nvGrpSpPr>
+        <p:grpSpPr>
+          <a:xfrm>
+            <a:off x="344243" y="65586"/>
+            <a:ext cx="8699352" cy="6340593"/>
+            <a:chOff x="344243" y="65586"/>
+            <a:chExt cx="8699352" cy="6340593"/>
+          </a:xfrm>
+        </p:grpSpPr>
+        <p:sp>
+          <p:nvSpPr>
+            <p:cNvPr id="2" name="Can 1"/>
+            <p:cNvSpPr/>
+            <p:nvPr/>
+          </p:nvSpPr>
+          <p:spPr>
+            <a:xfrm>
+              <a:off x="398033" y="2936842"/>
+              <a:ext cx="1936376" cy="1904105"/>
+            </a:xfrm>
+            <a:prstGeom prst="can">
+              <a:avLst/>
+            </a:prstGeom>
+          </p:spPr>
+          <p:style>
+            <a:lnRef idx="1">
+              <a:schemeClr val="accent1"/>
+            </a:lnRef>
+            <a:fillRef idx="3">
+              <a:schemeClr val="accent1"/>
+            </a:fillRef>
+            <a:effectRef idx="2">
+              <a:schemeClr val="accent1"/>
+            </a:effectRef>
+            <a:fontRef idx="minor">
+              <a:schemeClr val="lt1"/>
+            </a:fontRef>
+          </p:style>
+          <p:txBody>
+            <a:bodyPr rtlCol="0" anchor="ctr"/>
+            <a:lstStyle/>
+            <a:p>
+              <a:pPr algn="ctr"/>
+              <a:r>
+                <a:rPr lang="en-US" sz="2800" b="1" dirty="0" smtClean="0">
+                  <a:solidFill>
+                    <a:schemeClr val="tx1"/>
+                  </a:solidFill>
+                </a:rPr>
+                <a:t>Raw </a:t>
+              </a:r>
+              <a:r>
+                <a:rPr lang="en-US" sz="2800" b="1" dirty="0" err="1" smtClean="0">
+                  <a:solidFill>
+                    <a:schemeClr val="tx1"/>
+                  </a:solidFill>
+                </a:rPr>
+                <a:t>dataDB</a:t>
+              </a:r>
+              <a:endParaRPr lang="en-US" sz="2800" b="1" dirty="0">
+                <a:solidFill>
+                  <a:schemeClr val="tx1"/>
+                </a:solidFill>
+              </a:endParaRPr>
+            </a:p>
+          </p:txBody>
+        </p:sp>
+        <p:pic>
+          <p:nvPicPr>
+            <p:cNvPr id="2050" name="Picture 2" descr="http://botanika.biologija.org/exp/imaging/exp-mikroskop_e12.jpg"/>
+            <p:cNvPicPr>
+              <a:picLocks noChangeAspect="1" noChangeArrowheads="1"/>
+            </p:cNvPicPr>
+            <p:nvPr/>
+          </p:nvPicPr>
+          <p:blipFill>
+            <a:blip r:embed="rId2">
+              <a:extLst>
+                <a:ext uri="{28A0092B-C50C-407E-A947-70E740481C1C}">
+                  <a14:useLocalDpi xmlns:a14="http://schemas.microsoft.com/office/drawing/2010/main" val="0"/>
+                </a:ext>
+              </a:extLst>
+            </a:blip>
+            <a:srcRect/>
+            <a:stretch>
+              <a:fillRect/>
+            </a:stretch>
+          </p:blipFill>
+          <p:spPr bwMode="auto">
+            <a:xfrm>
+              <a:off x="344243" y="301500"/>
+              <a:ext cx="2168076" cy="1808795"/>
+            </a:xfrm>
+            <a:prstGeom prst="rect">
+              <a:avLst/>
+            </a:prstGeom>
+            <a:noFill/>
+            <a:extLst>
+              <a:ext uri="{909E8E84-426E-40DD-AFC4-6F175D3DCCD1}">
+                <a14:hiddenFill xmlns:a14="http://schemas.microsoft.com/office/drawing/2010/main">
+                  <a:solidFill>
+                    <a:srgbClr val="FFFFFF"/>
+                  </a:solidFill>
+                </a14:hiddenFill>
+              </a:ext>
+            </a:extLst>
+          </p:spPr>
+        </p:pic>
+        <p:sp>
+          <p:nvSpPr>
+            <p:cNvPr id="3" name="Down Arrow 2"/>
+            <p:cNvSpPr/>
+            <p:nvPr/>
+          </p:nvSpPr>
+          <p:spPr>
+            <a:xfrm>
+              <a:off x="1118792" y="2110294"/>
+              <a:ext cx="516370" cy="783515"/>
+            </a:xfrm>
+            <a:prstGeom prst="downArrow">
+              <a:avLst/>
+            </a:prstGeom>
+            <a:solidFill>
+              <a:srgbClr val="FFFF00"/>
+            </a:solidFill>
+            <a:ln>
+              <a:solidFill>
+                <a:srgbClr val="FF0000"/>
+              </a:solidFill>
+            </a:ln>
+          </p:spPr>
+          <p:style>
+            <a:lnRef idx="1">
+              <a:schemeClr val="accent1"/>
+            </a:lnRef>
+            <a:fillRef idx="3">
+              <a:schemeClr val="accent1"/>
+            </a:fillRef>
+            <a:effectRef idx="2">
+              <a:schemeClr val="accent1"/>
+            </a:effectRef>
+            <a:fontRef idx="minor">
+              <a:schemeClr val="lt1"/>
+            </a:fontRef>
+          </p:style>
+          <p:txBody>
+            <a:bodyPr rtlCol="0" anchor="ctr"/>
+            <a:lstStyle/>
+            <a:p>
+              <a:pPr algn="ctr"/>
+              <a:endParaRPr lang="en-US"/>
+            </a:p>
+          </p:txBody>
+        </p:sp>
+        <p:sp>
+          <p:nvSpPr>
+            <p:cNvPr id="5" name="Right Arrow 4"/>
+            <p:cNvSpPr/>
+            <p:nvPr/>
+          </p:nvSpPr>
+          <p:spPr>
+            <a:xfrm>
+              <a:off x="2334409" y="3711391"/>
+              <a:ext cx="1161826" cy="451821"/>
+            </a:xfrm>
+            <a:prstGeom prst="rightArrow">
+              <a:avLst/>
+            </a:prstGeom>
+            <a:solidFill>
+              <a:srgbClr val="FFFF00"/>
+            </a:solidFill>
+            <a:ln>
+              <a:solidFill>
+                <a:srgbClr val="FF0000"/>
+              </a:solidFill>
+            </a:ln>
+          </p:spPr>
+          <p:style>
+            <a:lnRef idx="1">
+              <a:schemeClr val="accent1"/>
+            </a:lnRef>
+            <a:fillRef idx="3">
+              <a:schemeClr val="accent1"/>
+            </a:fillRef>
+            <a:effectRef idx="2">
+              <a:schemeClr val="accent1"/>
+            </a:effectRef>
+            <a:fontRef idx="minor">
+              <a:schemeClr val="lt1"/>
+            </a:fontRef>
+          </p:style>
+          <p:txBody>
+            <a:bodyPr rtlCol="0" anchor="ctr"/>
+            <a:lstStyle/>
+            <a:p>
+              <a:pPr algn="ctr"/>
+              <a:endParaRPr lang="en-US"/>
+            </a:p>
+          </p:txBody>
+        </p:sp>
+        <p:sp>
+          <p:nvSpPr>
+            <p:cNvPr id="7" name="Curved Up Arrow 6"/>
+            <p:cNvSpPr/>
+            <p:nvPr/>
+          </p:nvSpPr>
+          <p:spPr>
+            <a:xfrm flipH="1">
+              <a:off x="1031489" y="4959275"/>
+              <a:ext cx="3767665" cy="1065008"/>
+            </a:xfrm>
+            <a:prstGeom prst="curvedUpArrow">
+              <a:avLst/>
+            </a:prstGeom>
+            <a:solidFill>
+              <a:srgbClr val="FFFF00"/>
+            </a:solidFill>
+            <a:ln>
+              <a:solidFill>
+                <a:srgbClr val="FF0000"/>
+              </a:solidFill>
+            </a:ln>
+          </p:spPr>
+          <p:style>
+            <a:lnRef idx="1">
+              <a:schemeClr val="accent1"/>
+            </a:lnRef>
+            <a:fillRef idx="3">
+              <a:schemeClr val="accent1"/>
+            </a:fillRef>
+            <a:effectRef idx="2">
+              <a:schemeClr val="accent1"/>
+            </a:effectRef>
+            <a:fontRef idx="minor">
+              <a:schemeClr val="lt1"/>
+            </a:fontRef>
+          </p:style>
+          <p:txBody>
+            <a:bodyPr rtlCol="0" anchor="ctr"/>
+            <a:lstStyle/>
+            <a:p>
+              <a:pPr algn="ctr"/>
+              <a:endParaRPr lang="en-US">
+                <a:solidFill>
+                  <a:schemeClr val="tx1"/>
+                </a:solidFill>
+              </a:endParaRPr>
+            </a:p>
+          </p:txBody>
+        </p:sp>
+        <p:pic>
+          <p:nvPicPr>
+            <p:cNvPr id="2052" name="Picture 4" descr="http://www.whatthetech.com/blog/wp-content/uploads/2010/08/low-energy-desktop-computer.jpg"/>
+            <p:cNvPicPr>
+              <a:picLocks noChangeAspect="1" noChangeArrowheads="1"/>
+            </p:cNvPicPr>
+            <p:nvPr/>
+          </p:nvPicPr>
+          <p:blipFill>
+            <a:blip r:embed="rId3">
+              <a:extLst>
+                <a:ext uri="{28A0092B-C50C-407E-A947-70E740481C1C}">
+                  <a14:useLocalDpi xmlns:a14="http://schemas.microsoft.com/office/drawing/2010/main" val="0"/>
+                </a:ext>
+              </a:extLst>
+            </a:blip>
+            <a:srcRect/>
+            <a:stretch>
+              <a:fillRect/>
+            </a:stretch>
+          </p:blipFill>
+          <p:spPr bwMode="auto">
+            <a:xfrm>
+              <a:off x="6002767" y="65586"/>
+              <a:ext cx="3040828" cy="2280621"/>
+            </a:xfrm>
+            <a:prstGeom prst="rect">
+              <a:avLst/>
+            </a:prstGeom>
+            <a:noFill/>
+            <a:extLst>
+              <a:ext uri="{909E8E84-426E-40DD-AFC4-6F175D3DCCD1}">
+                <a14:hiddenFill xmlns:a14="http://schemas.microsoft.com/office/drawing/2010/main">
+                  <a:solidFill>
+                    <a:srgbClr val="FFFFFF"/>
+                  </a:solidFill>
+                </a14:hiddenFill>
+              </a:ext>
+            </a:extLst>
+          </p:spPr>
+        </p:pic>
+        <p:pic>
+          <p:nvPicPr>
+            <p:cNvPr id="2054" name="Picture 6" descr="https://encrypted-tbn2.gstatic.com/images?q=tbn:ANd9GcTL1vyvDK-khOKgJPbNXXTjZPJ0QWOGj8NS5Ek1ahIgw1Dvg2e7"/>
+            <p:cNvPicPr>
+              <a:picLocks noChangeAspect="1" noChangeArrowheads="1"/>
+            </p:cNvPicPr>
+            <p:nvPr/>
+          </p:nvPicPr>
+          <p:blipFill>
+            <a:blip r:embed="rId4">
+              <a:extLst>
+                <a:ext uri="{28A0092B-C50C-407E-A947-70E740481C1C}">
+                  <a14:useLocalDpi xmlns:a14="http://schemas.microsoft.com/office/drawing/2010/main" val="0"/>
+                </a:ext>
+              </a:extLst>
+            </a:blip>
+            <a:srcRect/>
+            <a:stretch>
+              <a:fillRect/>
+            </a:stretch>
+          </p:blipFill>
+          <p:spPr bwMode="auto">
+            <a:xfrm>
+              <a:off x="6393740" y="4577379"/>
+              <a:ext cx="2495550" cy="1828800"/>
+            </a:xfrm>
+            <a:prstGeom prst="rect">
+              <a:avLst/>
+            </a:prstGeom>
+            <a:noFill/>
+            <a:extLst>
+              <a:ext uri="{909E8E84-426E-40DD-AFC4-6F175D3DCCD1}">
+                <a14:hiddenFill xmlns:a14="http://schemas.microsoft.com/office/drawing/2010/main">
+                  <a:solidFill>
+                    <a:srgbClr val="FFFFFF"/>
+                  </a:solidFill>
+                </a14:hiddenFill>
+              </a:ext>
+            </a:extLst>
+          </p:spPr>
+        </p:pic>
+        <p:grpSp>
+          <p:nvGrpSpPr>
+            <p:cNvPr id="11" name="Group 10"/>
+            <p:cNvGrpSpPr/>
+            <p:nvPr/>
+          </p:nvGrpSpPr>
+          <p:grpSpPr>
+            <a:xfrm>
+              <a:off x="3539267" y="3030235"/>
+              <a:ext cx="2431227" cy="1857149"/>
+              <a:chOff x="1645920" y="1602889"/>
+              <a:chExt cx="2431227" cy="1857149"/>
+            </a:xfrm>
+          </p:grpSpPr>
+          <p:pic>
+            <p:nvPicPr>
+              <p:cNvPr id="12" name="Picture 11"/>
+              <p:cNvPicPr>
+                <a:picLocks noChangeAspect="1"/>
+              </p:cNvPicPr>
+              <p:nvPr/>
+            </p:nvPicPr>
+            <p:blipFill>
+              <a:blip r:embed="rId5">
+                <a:extLst>
+                  <a:ext uri="{28A0092B-C50C-407E-A947-70E740481C1C}">
+                    <a14:useLocalDpi xmlns:a14="http://schemas.microsoft.com/office/drawing/2010/main" val="0"/>
+                  </a:ext>
+                </a:extLst>
+              </a:blip>
+              <a:stretch>
+                <a:fillRect/>
+              </a:stretch>
+            </p:blipFill>
+            <p:spPr>
+              <a:xfrm>
+                <a:off x="1645920" y="1602889"/>
+                <a:ext cx="1721222" cy="1460967"/>
+              </a:xfrm>
+              <a:prstGeom prst="rect">
+                <a:avLst/>
+              </a:prstGeom>
+            </p:spPr>
+          </p:pic>
+          <p:pic>
+            <p:nvPicPr>
+              <p:cNvPr id="13" name="Picture 2"/>
+              <p:cNvPicPr>
+                <a:picLocks noChangeAspect="1" noChangeArrowheads="1"/>
+              </p:cNvPicPr>
+              <p:nvPr/>
+            </p:nvPicPr>
+            <p:blipFill>
+              <a:blip r:embed="rId6">
+                <a:extLst>
+                  <a:ext uri="{28A0092B-C50C-407E-A947-70E740481C1C}">
+                    <a14:useLocalDpi xmlns:a14="http://schemas.microsoft.com/office/drawing/2010/main" val="0"/>
+                  </a:ext>
+                </a:extLst>
+              </a:blip>
+              <a:srcRect/>
+              <a:stretch>
+                <a:fillRect/>
+              </a:stretch>
+            </p:blipFill>
+            <p:spPr bwMode="auto">
+              <a:xfrm>
+                <a:off x="2657137" y="2108498"/>
+                <a:ext cx="1420010" cy="1351540"/>
+              </a:xfrm>
+              <a:prstGeom prst="rect">
+                <a:avLst/>
+              </a:prstGeom>
+              <a:noFill/>
+              <a:ln>
+                <a:noFill/>
+              </a:ln>
+              <a:extLst>
+                <a:ext uri="{909E8E84-426E-40DD-AFC4-6F175D3DCCD1}">
+                  <a14:hiddenFill xmlns:a14="http://schemas.microsoft.com/office/drawing/2010/main">
+                    <a:solidFill>
+                      <a:schemeClr val="accent1"/>
+                    </a:solidFill>
+                  </a14:hiddenFill>
+                </a:ext>
+                <a:ext uri="{91240B29-F687-4F45-9708-019B960494DF}">
+                  <a14:hiddenLine xmlns:a14="http://schemas.microsoft.com/office/drawing/2010/main" w="9525">
+                    <a:solidFill>
+                      <a:schemeClr val="tx1"/>
+                    </a:solidFill>
+                    <a:miter lim="800000"/>
+                    <a:headEnd/>
+                    <a:tailEnd/>
+                  </a14:hiddenLine>
+                </a:ext>
+              </a:extLst>
+            </p:spPr>
+          </p:pic>
+        </p:grpSp>
+        <p:sp>
+          <p:nvSpPr>
+            <p:cNvPr id="8" name="Striped Right Arrow 7"/>
+            <p:cNvSpPr/>
+            <p:nvPr/>
+          </p:nvSpPr>
+          <p:spPr>
+            <a:xfrm rot="-1920000">
+              <a:off x="5009088" y="2458269"/>
+              <a:ext cx="1345915" cy="491530"/>
+            </a:xfrm>
+            <a:prstGeom prst="stripedRightArrow">
+              <a:avLst/>
+            </a:prstGeom>
+            <a:solidFill>
+              <a:srgbClr val="FFFF00"/>
+            </a:solidFill>
+            <a:ln>
+              <a:solidFill>
+                <a:srgbClr val="FF0000"/>
+              </a:solidFill>
+            </a:ln>
+          </p:spPr>
+          <p:style>
+            <a:lnRef idx="1">
+              <a:schemeClr val="accent1"/>
+            </a:lnRef>
+            <a:fillRef idx="3">
+              <a:schemeClr val="accent1"/>
+            </a:fillRef>
+            <a:effectRef idx="2">
+              <a:schemeClr val="accent1"/>
+            </a:effectRef>
+            <a:fontRef idx="minor">
+              <a:schemeClr val="lt1"/>
+            </a:fontRef>
+          </p:style>
+          <p:txBody>
+            <a:bodyPr rtlCol="0" anchor="ctr"/>
+            <a:lstStyle/>
+            <a:p>
+              <a:pPr algn="ctr"/>
+              <a:endParaRPr lang="en-US"/>
+            </a:p>
+          </p:txBody>
+        </p:sp>
+        <p:sp>
+          <p:nvSpPr>
+            <p:cNvPr id="15" name="Striped Right Arrow 14"/>
+            <p:cNvSpPr/>
+            <p:nvPr/>
+          </p:nvSpPr>
+          <p:spPr>
+            <a:xfrm rot="1740000">
+              <a:off x="5753232" y="4630506"/>
+              <a:ext cx="742533" cy="485702"/>
+            </a:xfrm>
+            <a:prstGeom prst="stripedRightArrow">
+              <a:avLst/>
+            </a:prstGeom>
+            <a:solidFill>
+              <a:srgbClr val="FFFF00"/>
+            </a:solidFill>
+            <a:ln>
+              <a:solidFill>
+                <a:srgbClr val="FF0000"/>
+              </a:solidFill>
+            </a:ln>
+          </p:spPr>
+          <p:style>
+            <a:lnRef idx="1">
+              <a:schemeClr val="accent1"/>
+            </a:lnRef>
+            <a:fillRef idx="3">
+              <a:schemeClr val="accent1"/>
+            </a:fillRef>
+            <a:effectRef idx="2">
+              <a:schemeClr val="accent1"/>
+            </a:effectRef>
+            <a:fontRef idx="minor">
+              <a:schemeClr val="lt1"/>
+            </a:fontRef>
+          </p:style>
+          <p:txBody>
+            <a:bodyPr rtlCol="0" anchor="ctr"/>
+            <a:lstStyle/>
+            <a:p>
+              <a:pPr algn="ctr"/>
+              <a:endParaRPr lang="en-US"/>
+            </a:p>
+          </p:txBody>
+        </p:sp>
+      </p:grpSp>
+    </p:spTree>
+    <p:extLst>
+      <p:ext uri="{BB962C8B-B14F-4D97-AF65-F5344CB8AC3E}">
+        <p14:creationId xmlns:p14="http://schemas.microsoft.com/office/powerpoint/2010/main" val="2013566581"/>
+      </p:ext>
+    </p:extLst>
+  </p:cSld>
+  <p:clrMapOvr>
+    <a:masterClrMapping/>
+  </p:clrMapOvr>
 </p:sld>
 </file>
 
 <file path=ppt/slides/slide2.xml><?xml version="1.0" encoding="utf-8"?>
+<p:sld xmlns:a="http://schemas.openxmlformats.org/drawingml/2006/main" xmlns:r="http://schemas.openxmlformats.org/officeDocument/2006/relationships" xmlns:p="http://schemas.openxmlformats.org/presentationml/2006/main">
+  <p:cSld>
+    <p:spTree>
+      <p:nvGrpSpPr>
+        <p:cNvPr id="1" name=""/>
+        <p:cNvGrpSpPr/>
+        <p:nvPr/>
+      </p:nvGrpSpPr>
+      <p:grpSpPr>
+        <a:xfrm>
+          <a:off x="0" y="0"/>
+          <a:ext cx="0" cy="0"/>
+          <a:chOff x="0" y="0"/>
+          <a:chExt cx="0" cy="0"/>
+        </a:xfrm>
+      </p:grpSpPr>
+      <p:sp>
+        <p:nvSpPr>
+          <p:cNvPr id="2" name="Title 1"/>
+          <p:cNvSpPr>
+            <a:spLocks noGrp="1"/>
+          </p:cNvSpPr>
+          <p:nvPr>
+            <p:ph type="title"/>
+          </p:nvPr>
+        </p:nvSpPr>
+        <p:spPr/>
+        <p:txBody>
+          <a:bodyPr/>
+          <a:lstStyle/>
+          <a:p>
+            <a:r>
+              <a:rPr lang="en-US" dirty="0" smtClean="0"/>
+              <a:t>Objectives</a:t>
+            </a:r>
+            <a:endParaRPr lang="en-US" dirty="0"/>
+          </a:p>
+        </p:txBody>
+      </p:sp>
+      <p:sp>
+        <p:nvSpPr>
+          <p:cNvPr id="3" name="Content Placeholder 2"/>
+          <p:cNvSpPr>
+            <a:spLocks noGrp="1"/>
+          </p:cNvSpPr>
+          <p:nvPr>
+            <p:ph idx="1"/>
+          </p:nvPr>
+        </p:nvSpPr>
+        <p:spPr/>
+        <p:txBody>
+          <a:bodyPr>
+            <a:normAutofit fontScale="92500" lnSpcReduction="20000"/>
+          </a:bodyPr>
+          <a:lstStyle/>
+          <a:p>
+            <a:r>
+              <a:rPr lang="en-US" dirty="0" smtClean="0"/>
+              <a:t>Understanding and unveiling the biological mechanism of oral squamous cell carcinoma</a:t>
+            </a:r>
+          </a:p>
+          <a:p>
+            <a:r>
+              <a:rPr lang="en-US" dirty="0" smtClean="0"/>
+              <a:t>Leveraging nuclei stain imaging technology (</a:t>
+            </a:r>
+            <a:r>
+              <a:rPr lang="en-US" dirty="0" err="1" smtClean="0"/>
+              <a:t>Feulgen</a:t>
+            </a:r>
+            <a:r>
+              <a:rPr lang="en-US" dirty="0" smtClean="0"/>
+              <a:t> staining)</a:t>
+            </a:r>
+          </a:p>
+          <a:p>
+            <a:r>
+              <a:rPr lang="en-US" dirty="0" smtClean="0"/>
+              <a:t>Extracting the determining digitized information</a:t>
+            </a:r>
+          </a:p>
+          <a:p>
+            <a:r>
+              <a:rPr lang="en-US" dirty="0" smtClean="0"/>
+              <a:t>Developing data processing protocol</a:t>
+            </a:r>
+          </a:p>
+          <a:p>
+            <a:r>
+              <a:rPr lang="en-US" dirty="0" smtClean="0"/>
+              <a:t>Building predicting model for detecting abnormal cell dividing – cancer diagnosis</a:t>
+            </a:r>
+          </a:p>
+          <a:p>
+            <a:r>
+              <a:rPr lang="en-US" dirty="0" smtClean="0"/>
+              <a:t>Establishing the standard for oral cancer early diagnosis</a:t>
+            </a:r>
+            <a:endParaRPr lang="en-US" dirty="0"/>
+          </a:p>
+        </p:txBody>
+      </p:sp>
+    </p:spTree>
+    <p:extLst>
+      <p:ext uri="{BB962C8B-B14F-4D97-AF65-F5344CB8AC3E}">
+        <p14:creationId xmlns:p14="http://schemas.microsoft.com/office/powerpoint/2010/main" val="718076653"/>
+      </p:ext>
+    </p:extLst>
+  </p:cSld>
+  <p:clrMapOvr>
+    <a:masterClrMapping/>
+  </p:clrMapOvr>
+</p:sld>
+</file>
+
+<file path=ppt/slides/slide3.xml><?xml version="1.0" encoding="utf-8"?>
+<p:sld xmlns:a="http://schemas.openxmlformats.org/drawingml/2006/main" xmlns:r="http://schemas.openxmlformats.org/officeDocument/2006/relationships" xmlns:p="http://schemas.openxmlformats.org/presentationml/2006/main">
+  <p:cSld>
+    <p:spTree>
+      <p:nvGrpSpPr>
+        <p:cNvPr id="1" name=""/>
+        <p:cNvGrpSpPr/>
+        <p:nvPr/>
+      </p:nvGrpSpPr>
+      <p:grpSpPr>
+        <a:xfrm>
+          <a:off x="0" y="0"/>
+          <a:ext cx="0" cy="0"/>
+          <a:chOff x="0" y="0"/>
+          <a:chExt cx="0" cy="0"/>
+        </a:xfrm>
+      </p:grpSpPr>
+      <p:pic>
+        <p:nvPicPr>
+          <p:cNvPr id="1026" name="Picture 2"/>
+          <p:cNvPicPr>
+            <a:picLocks noChangeAspect="1" noChangeArrowheads="1"/>
+          </p:cNvPicPr>
+          <p:nvPr/>
+        </p:nvPicPr>
+        <p:blipFill>
+          <a:blip r:embed="rId2">
+            <a:extLst>
+              <a:ext uri="{28A0092B-C50C-407E-A947-70E740481C1C}">
+                <a14:useLocalDpi xmlns:a14="http://schemas.microsoft.com/office/drawing/2010/main" val="0"/>
+              </a:ext>
+            </a:extLst>
+          </a:blip>
+          <a:srcRect/>
+          <a:stretch>
+            <a:fillRect/>
+          </a:stretch>
+        </p:blipFill>
+        <p:spPr bwMode="auto">
+          <a:xfrm>
+            <a:off x="1000125" y="723900"/>
+            <a:ext cx="7143750" cy="5410200"/>
+          </a:xfrm>
+          <a:prstGeom prst="rect">
+            <a:avLst/>
+          </a:prstGeom>
+          <a:noFill/>
+          <a:ln>
+            <a:noFill/>
+          </a:ln>
+          <a:extLst>
+            <a:ext uri="{909E8E84-426E-40DD-AFC4-6F175D3DCCD1}">
+              <a14:hiddenFill xmlns:a14="http://schemas.microsoft.com/office/drawing/2010/main">
+                <a:solidFill>
+                  <a:schemeClr val="accent1"/>
+                </a:solidFill>
+              </a14:hiddenFill>
+            </a:ext>
+            <a:ext uri="{91240B29-F687-4F45-9708-019B960494DF}">
+              <a14:hiddenLine xmlns:a14="http://schemas.microsoft.com/office/drawing/2010/main" w="9525">
+                <a:solidFill>
+                  <a:schemeClr val="tx1"/>
+                </a:solidFill>
+                <a:miter lim="800000"/>
+                <a:headEnd/>
+                <a:tailEnd/>
+              </a14:hiddenLine>
+            </a:ext>
+          </a:extLst>
+        </p:spPr>
+      </p:pic>
+      <p:sp>
+        <p:nvSpPr>
+          <p:cNvPr id="2" name="TextBox 1"/>
+          <p:cNvSpPr txBox="1"/>
+          <p:nvPr/>
+        </p:nvSpPr>
+        <p:spPr>
+          <a:xfrm>
+            <a:off x="262294" y="77569"/>
+            <a:ext cx="8619411" cy="646331"/>
+          </a:xfrm>
+          <a:prstGeom prst="rect">
+            <a:avLst/>
+          </a:prstGeom>
+          <a:noFill/>
+        </p:spPr>
+        <p:txBody>
+          <a:bodyPr wrap="none" rtlCol="0">
+            <a:spAutoFit/>
+          </a:bodyPr>
+          <a:lstStyle/>
+          <a:p>
+            <a:r>
+              <a:rPr lang="en-US" b="1" dirty="0"/>
+              <a:t>Photomicrograph of moderately well differentiated OSCC showing large tumor nucleus </a:t>
+            </a:r>
+            <a:endParaRPr lang="en-US" b="1" dirty="0" smtClean="0"/>
+          </a:p>
+          <a:p>
+            <a:r>
+              <a:rPr lang="en-US" b="1" dirty="0" smtClean="0"/>
+              <a:t>with </a:t>
+            </a:r>
+            <a:r>
+              <a:rPr lang="en-US" b="1" dirty="0"/>
+              <a:t>multiple prominent nucleoli (blue arrow) and abnormal mitotic figure (black arrow)</a:t>
+            </a:r>
+            <a:endParaRPr lang="en-US" dirty="0"/>
+          </a:p>
+        </p:txBody>
+      </p:sp>
+      <p:sp>
+        <p:nvSpPr>
+          <p:cNvPr id="3" name="TextBox 2"/>
+          <p:cNvSpPr txBox="1"/>
+          <p:nvPr/>
+        </p:nvSpPr>
+        <p:spPr>
+          <a:xfrm>
+            <a:off x="796611" y="6138606"/>
+            <a:ext cx="7547194" cy="646331"/>
+          </a:xfrm>
+          <a:prstGeom prst="rect">
+            <a:avLst/>
+          </a:prstGeom>
+          <a:noFill/>
+        </p:spPr>
+        <p:txBody>
+          <a:bodyPr wrap="none" rtlCol="0">
+            <a:spAutoFit/>
+          </a:bodyPr>
+          <a:lstStyle/>
+          <a:p>
+            <a:r>
+              <a:rPr lang="en-US" dirty="0" smtClean="0"/>
+              <a:t>DB </a:t>
+            </a:r>
+            <a:r>
+              <a:rPr lang="en-US" dirty="0" err="1" smtClean="0"/>
+              <a:t>Nandini</a:t>
+            </a:r>
+            <a:r>
+              <a:rPr lang="en-US" dirty="0" smtClean="0"/>
+              <a:t> and RV </a:t>
+            </a:r>
+            <a:r>
+              <a:rPr lang="en-US" dirty="0" err="1" smtClean="0"/>
+              <a:t>Subramanyam</a:t>
+            </a:r>
+            <a:r>
+              <a:rPr lang="en-US" dirty="0"/>
+              <a:t>, 2011, Nuclear features in oral </a:t>
+            </a:r>
+            <a:r>
+              <a:rPr lang="en-US" dirty="0" smtClean="0"/>
+              <a:t>squamous</a:t>
+            </a:r>
+          </a:p>
+          <a:p>
+            <a:r>
+              <a:rPr lang="en-US" dirty="0" smtClean="0"/>
+              <a:t> </a:t>
+            </a:r>
+            <a:r>
+              <a:rPr lang="en-US" dirty="0"/>
+              <a:t>cell carcinoma: A computer-assisted microscopic </a:t>
+            </a:r>
+            <a:r>
+              <a:rPr lang="en-US" dirty="0" smtClean="0"/>
+              <a:t>study, V.15:2, 177-181,JOMFP</a:t>
+            </a:r>
+            <a:endParaRPr lang="en-US" dirty="0"/>
+          </a:p>
+        </p:txBody>
+      </p:sp>
+    </p:spTree>
+    <p:extLst>
+      <p:ext uri="{BB962C8B-B14F-4D97-AF65-F5344CB8AC3E}">
+        <p14:creationId xmlns:p14="http://schemas.microsoft.com/office/powerpoint/2010/main" val="3279301289"/>
+      </p:ext>
+    </p:extLst>
+  </p:cSld>
+  <p:clrMapOvr>
+    <a:masterClrMapping/>
+  </p:clrMapOvr>
+</p:sld>
+</file>
+
+<file path=ppt/slides/slide4.xml><?xml version="1.0" encoding="utf-8"?>
+<p:sld xmlns:a="http://schemas.openxmlformats.org/drawingml/2006/main" xmlns:r="http://schemas.openxmlformats.org/officeDocument/2006/relationships" xmlns:p="http://schemas.openxmlformats.org/presentationml/2006/main">
+  <p:cSld>
+    <p:spTree>
+      <p:nvGrpSpPr>
+        <p:cNvPr id="1" name=""/>
+        <p:cNvGrpSpPr/>
+        <p:nvPr/>
+      </p:nvGrpSpPr>
+      <p:grpSpPr>
+        <a:xfrm>
+          <a:off x="0" y="0"/>
+          <a:ext cx="0" cy="0"/>
+          <a:chOff x="0" y="0"/>
+          <a:chExt cx="0" cy="0"/>
+        </a:xfrm>
+      </p:grpSpPr>
+      <p:grpSp>
+        <p:nvGrpSpPr>
+          <p:cNvPr id="10" name="Group 9"/>
+          <p:cNvGrpSpPr/>
+          <p:nvPr/>
+        </p:nvGrpSpPr>
+        <p:grpSpPr>
+          <a:xfrm>
+            <a:off x="344243" y="65586"/>
+            <a:ext cx="8699352" cy="6340593"/>
+            <a:chOff x="344243" y="65586"/>
+            <a:chExt cx="8699352" cy="6340593"/>
+          </a:xfrm>
+        </p:grpSpPr>
+        <p:sp>
+          <p:nvSpPr>
+            <p:cNvPr id="2" name="Can 1"/>
+            <p:cNvSpPr/>
+            <p:nvPr/>
+          </p:nvSpPr>
+          <p:spPr>
+            <a:xfrm>
+              <a:off x="398033" y="2936842"/>
+              <a:ext cx="1936376" cy="1904105"/>
+            </a:xfrm>
+            <a:prstGeom prst="can">
+              <a:avLst/>
+            </a:prstGeom>
+          </p:spPr>
+          <p:style>
+            <a:lnRef idx="1">
+              <a:schemeClr val="accent1"/>
+            </a:lnRef>
+            <a:fillRef idx="3">
+              <a:schemeClr val="accent1"/>
+            </a:fillRef>
+            <a:effectRef idx="2">
+              <a:schemeClr val="accent1"/>
+            </a:effectRef>
+            <a:fontRef idx="minor">
+              <a:schemeClr val="lt1"/>
+            </a:fontRef>
+          </p:style>
+          <p:txBody>
+            <a:bodyPr rtlCol="0" anchor="ctr"/>
+            <a:lstStyle/>
+            <a:p>
+              <a:pPr algn="ctr"/>
+              <a:r>
+                <a:rPr lang="en-US" sz="2800" b="1" dirty="0" smtClean="0">
+                  <a:solidFill>
+                    <a:schemeClr val="tx1"/>
+                  </a:solidFill>
+                </a:rPr>
+                <a:t>Raw </a:t>
+              </a:r>
+              <a:r>
+                <a:rPr lang="en-US" sz="2800" b="1" dirty="0" err="1" smtClean="0">
+                  <a:solidFill>
+                    <a:schemeClr val="tx1"/>
+                  </a:solidFill>
+                </a:rPr>
+                <a:t>dataDB</a:t>
+              </a:r>
+              <a:endParaRPr lang="en-US" sz="2800" b="1" dirty="0">
+                <a:solidFill>
+                  <a:schemeClr val="tx1"/>
+                </a:solidFill>
+              </a:endParaRPr>
+            </a:p>
+          </p:txBody>
+        </p:sp>
+        <p:pic>
+          <p:nvPicPr>
+            <p:cNvPr id="2050" name="Picture 2" descr="http://botanika.biologija.org/exp/imaging/exp-mikroskop_e12.jpg"/>
+            <p:cNvPicPr>
+              <a:picLocks noChangeAspect="1" noChangeArrowheads="1"/>
+            </p:cNvPicPr>
+            <p:nvPr/>
+          </p:nvPicPr>
+          <p:blipFill>
+            <a:blip r:embed="rId2">
+              <a:extLst>
+                <a:ext uri="{28A0092B-C50C-407E-A947-70E740481C1C}">
+                  <a14:useLocalDpi xmlns:a14="http://schemas.microsoft.com/office/drawing/2010/main" val="0"/>
+                </a:ext>
+              </a:extLst>
+            </a:blip>
+            <a:srcRect/>
+            <a:stretch>
+              <a:fillRect/>
+            </a:stretch>
+          </p:blipFill>
+          <p:spPr bwMode="auto">
+            <a:xfrm>
+              <a:off x="344243" y="301500"/>
+              <a:ext cx="2168076" cy="1808795"/>
+            </a:xfrm>
+            <a:prstGeom prst="rect">
+              <a:avLst/>
+            </a:prstGeom>
+            <a:noFill/>
+            <a:extLst>
+              <a:ext uri="{909E8E84-426E-40DD-AFC4-6F175D3DCCD1}">
+                <a14:hiddenFill xmlns:a14="http://schemas.microsoft.com/office/drawing/2010/main">
+                  <a:solidFill>
+                    <a:srgbClr val="FFFFFF"/>
+                  </a:solidFill>
+                </a14:hiddenFill>
+              </a:ext>
+            </a:extLst>
+          </p:spPr>
+        </p:pic>
+        <p:sp>
+          <p:nvSpPr>
+            <p:cNvPr id="3" name="Down Arrow 2"/>
+            <p:cNvSpPr/>
+            <p:nvPr/>
+          </p:nvSpPr>
+          <p:spPr>
+            <a:xfrm>
+              <a:off x="1118792" y="2110294"/>
+              <a:ext cx="516370" cy="783515"/>
+            </a:xfrm>
+            <a:prstGeom prst="downArrow">
+              <a:avLst/>
+            </a:prstGeom>
+            <a:solidFill>
+              <a:srgbClr val="FFFF00"/>
+            </a:solidFill>
+            <a:ln>
+              <a:solidFill>
+                <a:srgbClr val="FF0000"/>
+              </a:solidFill>
+            </a:ln>
+          </p:spPr>
+          <p:style>
+            <a:lnRef idx="1">
+              <a:schemeClr val="accent1"/>
+            </a:lnRef>
+            <a:fillRef idx="3">
+              <a:schemeClr val="accent1"/>
+            </a:fillRef>
+            <a:effectRef idx="2">
+              <a:schemeClr val="accent1"/>
+            </a:effectRef>
+            <a:fontRef idx="minor">
+              <a:schemeClr val="lt1"/>
+            </a:fontRef>
+          </p:style>
+          <p:txBody>
+            <a:bodyPr rtlCol="0" anchor="ctr"/>
+            <a:lstStyle/>
+            <a:p>
+              <a:pPr algn="ctr"/>
+              <a:endParaRPr lang="en-US"/>
+            </a:p>
+          </p:txBody>
+        </p:sp>
+        <p:sp>
+          <p:nvSpPr>
+            <p:cNvPr id="5" name="Right Arrow 4"/>
+            <p:cNvSpPr/>
+            <p:nvPr/>
+          </p:nvSpPr>
+          <p:spPr>
+            <a:xfrm>
+              <a:off x="2334409" y="3711391"/>
+              <a:ext cx="1161826" cy="451821"/>
+            </a:xfrm>
+            <a:prstGeom prst="rightArrow">
+              <a:avLst/>
+            </a:prstGeom>
+            <a:solidFill>
+              <a:srgbClr val="FFFF00"/>
+            </a:solidFill>
+            <a:ln>
+              <a:solidFill>
+                <a:srgbClr val="FF0000"/>
+              </a:solidFill>
+            </a:ln>
+          </p:spPr>
+          <p:style>
+            <a:lnRef idx="1">
+              <a:schemeClr val="accent1"/>
+            </a:lnRef>
+            <a:fillRef idx="3">
+              <a:schemeClr val="accent1"/>
+            </a:fillRef>
+            <a:effectRef idx="2">
+              <a:schemeClr val="accent1"/>
+            </a:effectRef>
+            <a:fontRef idx="minor">
+              <a:schemeClr val="lt1"/>
+            </a:fontRef>
+          </p:style>
+          <p:txBody>
+            <a:bodyPr rtlCol="0" anchor="ctr"/>
+            <a:lstStyle/>
+            <a:p>
+              <a:pPr algn="ctr"/>
+              <a:endParaRPr lang="en-US"/>
+            </a:p>
+          </p:txBody>
+        </p:sp>
+        <p:sp>
+          <p:nvSpPr>
+            <p:cNvPr id="7" name="Curved Up Arrow 6"/>
+            <p:cNvSpPr/>
+            <p:nvPr/>
+          </p:nvSpPr>
+          <p:spPr>
+            <a:xfrm flipH="1">
+              <a:off x="1031489" y="4959275"/>
+              <a:ext cx="3767665" cy="1065008"/>
+            </a:xfrm>
+            <a:prstGeom prst="curvedUpArrow">
+              <a:avLst/>
+            </a:prstGeom>
+            <a:solidFill>
+              <a:srgbClr val="FFFF00"/>
+            </a:solidFill>
+            <a:ln>
+              <a:solidFill>
+                <a:srgbClr val="FF0000"/>
+              </a:solidFill>
+            </a:ln>
+          </p:spPr>
+          <p:style>
+            <a:lnRef idx="1">
+              <a:schemeClr val="accent1"/>
+            </a:lnRef>
+            <a:fillRef idx="3">
+              <a:schemeClr val="accent1"/>
+            </a:fillRef>
+            <a:effectRef idx="2">
+              <a:schemeClr val="accent1"/>
+            </a:effectRef>
+            <a:fontRef idx="minor">
+              <a:schemeClr val="lt1"/>
+            </a:fontRef>
+          </p:style>
+          <p:txBody>
+            <a:bodyPr rtlCol="0" anchor="ctr"/>
+            <a:lstStyle/>
+            <a:p>
+              <a:pPr algn="ctr"/>
+              <a:endParaRPr lang="en-US">
+                <a:solidFill>
+                  <a:schemeClr val="tx1"/>
+                </a:solidFill>
+              </a:endParaRPr>
+            </a:p>
+          </p:txBody>
+        </p:sp>
+        <p:pic>
+          <p:nvPicPr>
+            <p:cNvPr id="2052" name="Picture 4" descr="http://www.whatthetech.com/blog/wp-content/uploads/2010/08/low-energy-desktop-computer.jpg"/>
+            <p:cNvPicPr>
+              <a:picLocks noChangeAspect="1" noChangeArrowheads="1"/>
+            </p:cNvPicPr>
+            <p:nvPr/>
+          </p:nvPicPr>
+          <p:blipFill>
+            <a:blip r:embed="rId3">
+              <a:extLst>
+                <a:ext uri="{28A0092B-C50C-407E-A947-70E740481C1C}">
+                  <a14:useLocalDpi xmlns:a14="http://schemas.microsoft.com/office/drawing/2010/main" val="0"/>
+                </a:ext>
+              </a:extLst>
+            </a:blip>
+            <a:srcRect/>
+            <a:stretch>
+              <a:fillRect/>
+            </a:stretch>
+          </p:blipFill>
+          <p:spPr bwMode="auto">
+            <a:xfrm>
+              <a:off x="6002767" y="65586"/>
+              <a:ext cx="3040828" cy="2280621"/>
+            </a:xfrm>
+            <a:prstGeom prst="rect">
+              <a:avLst/>
+            </a:prstGeom>
+            <a:noFill/>
+            <a:extLst>
+              <a:ext uri="{909E8E84-426E-40DD-AFC4-6F175D3DCCD1}">
+                <a14:hiddenFill xmlns:a14="http://schemas.microsoft.com/office/drawing/2010/main">
+                  <a:solidFill>
+                    <a:srgbClr val="FFFFFF"/>
+                  </a:solidFill>
+                </a14:hiddenFill>
+              </a:ext>
+            </a:extLst>
+          </p:spPr>
+        </p:pic>
+        <p:pic>
+          <p:nvPicPr>
+            <p:cNvPr id="2054" name="Picture 6" descr="https://encrypted-tbn2.gstatic.com/images?q=tbn:ANd9GcTL1vyvDK-khOKgJPbNXXTjZPJ0QWOGj8NS5Ek1ahIgw1Dvg2e7"/>
+            <p:cNvPicPr>
+              <a:picLocks noChangeAspect="1" noChangeArrowheads="1"/>
+            </p:cNvPicPr>
+            <p:nvPr/>
+          </p:nvPicPr>
+          <p:blipFill>
+            <a:blip r:embed="rId4">
+              <a:extLst>
+                <a:ext uri="{28A0092B-C50C-407E-A947-70E740481C1C}">
+                  <a14:useLocalDpi xmlns:a14="http://schemas.microsoft.com/office/drawing/2010/main" val="0"/>
+                </a:ext>
+              </a:extLst>
+            </a:blip>
+            <a:srcRect/>
+            <a:stretch>
+              <a:fillRect/>
+            </a:stretch>
+          </p:blipFill>
+          <p:spPr bwMode="auto">
+            <a:xfrm>
+              <a:off x="6393740" y="4577379"/>
+              <a:ext cx="2495550" cy="1828800"/>
+            </a:xfrm>
+            <a:prstGeom prst="rect">
+              <a:avLst/>
+            </a:prstGeom>
+            <a:noFill/>
+            <a:extLst>
+              <a:ext uri="{909E8E84-426E-40DD-AFC4-6F175D3DCCD1}">
+                <a14:hiddenFill xmlns:a14="http://schemas.microsoft.com/office/drawing/2010/main">
+                  <a:solidFill>
+                    <a:srgbClr val="FFFFFF"/>
+                  </a:solidFill>
+                </a14:hiddenFill>
+              </a:ext>
+            </a:extLst>
+          </p:spPr>
+        </p:pic>
+        <p:grpSp>
+          <p:nvGrpSpPr>
+            <p:cNvPr id="11" name="Group 10"/>
+            <p:cNvGrpSpPr/>
+            <p:nvPr/>
+          </p:nvGrpSpPr>
+          <p:grpSpPr>
+            <a:xfrm>
+              <a:off x="3539267" y="3030235"/>
+              <a:ext cx="2431227" cy="1857149"/>
+              <a:chOff x="1645920" y="1602889"/>
+              <a:chExt cx="2431227" cy="1857149"/>
+            </a:xfrm>
+          </p:grpSpPr>
+          <p:pic>
+            <p:nvPicPr>
+              <p:cNvPr id="12" name="Picture 11"/>
+              <p:cNvPicPr>
+                <a:picLocks noChangeAspect="1"/>
+              </p:cNvPicPr>
+              <p:nvPr/>
+            </p:nvPicPr>
+            <p:blipFill>
+              <a:blip r:embed="rId5">
+                <a:extLst>
+                  <a:ext uri="{28A0092B-C50C-407E-A947-70E740481C1C}">
+                    <a14:useLocalDpi xmlns:a14="http://schemas.microsoft.com/office/drawing/2010/main" val="0"/>
+                  </a:ext>
+                </a:extLst>
+              </a:blip>
+              <a:stretch>
+                <a:fillRect/>
+              </a:stretch>
+            </p:blipFill>
+            <p:spPr>
+              <a:xfrm>
+                <a:off x="1645920" y="1602889"/>
+                <a:ext cx="1721222" cy="1460967"/>
+              </a:xfrm>
+              <a:prstGeom prst="rect">
+                <a:avLst/>
+              </a:prstGeom>
+            </p:spPr>
+          </p:pic>
+          <p:pic>
+            <p:nvPicPr>
+              <p:cNvPr id="13" name="Picture 2"/>
+              <p:cNvPicPr>
+                <a:picLocks noChangeAspect="1" noChangeArrowheads="1"/>
+              </p:cNvPicPr>
+              <p:nvPr/>
+            </p:nvPicPr>
+            <p:blipFill>
+              <a:blip r:embed="rId6">
+                <a:extLst>
+                  <a:ext uri="{28A0092B-C50C-407E-A947-70E740481C1C}">
+                    <a14:useLocalDpi xmlns:a14="http://schemas.microsoft.com/office/drawing/2010/main" val="0"/>
+                  </a:ext>
+                </a:extLst>
+              </a:blip>
+              <a:srcRect/>
+              <a:stretch>
+                <a:fillRect/>
+              </a:stretch>
+            </p:blipFill>
+            <p:spPr bwMode="auto">
+              <a:xfrm>
+                <a:off x="2657137" y="2108498"/>
+                <a:ext cx="1420010" cy="1351540"/>
+              </a:xfrm>
+              <a:prstGeom prst="rect">
+                <a:avLst/>
+              </a:prstGeom>
+              <a:noFill/>
+              <a:ln>
+                <a:noFill/>
+              </a:ln>
+              <a:extLst>
+                <a:ext uri="{909E8E84-426E-40DD-AFC4-6F175D3DCCD1}">
+                  <a14:hiddenFill xmlns:a14="http://schemas.microsoft.com/office/drawing/2010/main">
+                    <a:solidFill>
+                      <a:schemeClr val="accent1"/>
+                    </a:solidFill>
+                  </a14:hiddenFill>
+                </a:ext>
+                <a:ext uri="{91240B29-F687-4F45-9708-019B960494DF}">
+                  <a14:hiddenLine xmlns:a14="http://schemas.microsoft.com/office/drawing/2010/main" w="9525">
+                    <a:solidFill>
+                      <a:schemeClr val="tx1"/>
+                    </a:solidFill>
+                    <a:miter lim="800000"/>
+                    <a:headEnd/>
+                    <a:tailEnd/>
+                  </a14:hiddenLine>
+                </a:ext>
+              </a:extLst>
+            </p:spPr>
+          </p:pic>
+        </p:grpSp>
+        <p:sp>
+          <p:nvSpPr>
+            <p:cNvPr id="8" name="Striped Right Arrow 7"/>
+            <p:cNvSpPr/>
+            <p:nvPr/>
+          </p:nvSpPr>
+          <p:spPr>
+            <a:xfrm rot="-1920000">
+              <a:off x="5009088" y="2458269"/>
+              <a:ext cx="1345915" cy="491530"/>
+            </a:xfrm>
+            <a:prstGeom prst="stripedRightArrow">
+              <a:avLst/>
+            </a:prstGeom>
+            <a:solidFill>
+              <a:srgbClr val="FFFF00"/>
+            </a:solidFill>
+            <a:ln>
+              <a:solidFill>
+                <a:srgbClr val="FF0000"/>
+              </a:solidFill>
+            </a:ln>
+          </p:spPr>
+          <p:style>
+            <a:lnRef idx="1">
+              <a:schemeClr val="accent1"/>
+            </a:lnRef>
+            <a:fillRef idx="3">
+              <a:schemeClr val="accent1"/>
+            </a:fillRef>
+            <a:effectRef idx="2">
+              <a:schemeClr val="accent1"/>
+            </a:effectRef>
+            <a:fontRef idx="minor">
+              <a:schemeClr val="lt1"/>
+            </a:fontRef>
+          </p:style>
+          <p:txBody>
+            <a:bodyPr rtlCol="0" anchor="ctr"/>
+            <a:lstStyle/>
+            <a:p>
+              <a:pPr algn="ctr"/>
+              <a:endParaRPr lang="en-US"/>
+            </a:p>
+          </p:txBody>
+        </p:sp>
+        <p:sp>
+          <p:nvSpPr>
+            <p:cNvPr id="15" name="Striped Right Arrow 14"/>
+            <p:cNvSpPr/>
+            <p:nvPr/>
+          </p:nvSpPr>
+          <p:spPr>
+            <a:xfrm rot="1740000">
+              <a:off x="5753232" y="4630506"/>
+              <a:ext cx="742533" cy="485702"/>
+            </a:xfrm>
+            <a:prstGeom prst="stripedRightArrow">
+              <a:avLst/>
+            </a:prstGeom>
+            <a:solidFill>
+              <a:srgbClr val="FFFF00"/>
+            </a:solidFill>
+            <a:ln>
+              <a:solidFill>
+                <a:srgbClr val="FF0000"/>
+              </a:solidFill>
+            </a:ln>
+          </p:spPr>
+          <p:style>
+            <a:lnRef idx="1">
+              <a:schemeClr val="accent1"/>
+            </a:lnRef>
+            <a:fillRef idx="3">
+              <a:schemeClr val="accent1"/>
+            </a:fillRef>
+            <a:effectRef idx="2">
+              <a:schemeClr val="accent1"/>
+            </a:effectRef>
+            <a:fontRef idx="minor">
+              <a:schemeClr val="lt1"/>
+            </a:fontRef>
+          </p:style>
+          <p:txBody>
+            <a:bodyPr rtlCol="0" anchor="ctr"/>
+            <a:lstStyle/>
+            <a:p>
+              <a:pPr algn="ctr"/>
+              <a:endParaRPr lang="en-US"/>
+            </a:p>
+          </p:txBody>
+        </p:sp>
+      </p:grpSp>
+    </p:spTree>
+    <p:extLst>
+      <p:ext uri="{BB962C8B-B14F-4D97-AF65-F5344CB8AC3E}">
+        <p14:creationId xmlns:p14="http://schemas.microsoft.com/office/powerpoint/2010/main" val="3582148493"/>
+      </p:ext>
+    </p:extLst>
+  </p:cSld>
+  <p:clrMapOvr>
+    <a:masterClrMapping/>
+  </p:clrMapOvr>
+</p:sld>
+</file>
+
+<file path=ppt/slides/slide5.xml><?xml version="1.0" encoding="utf-8"?>
+<p:sld xmlns:a="http://schemas.openxmlformats.org/drawingml/2006/main" xmlns:r="http://schemas.openxmlformats.org/officeDocument/2006/relationships" xmlns:p="http://schemas.openxmlformats.org/presentationml/2006/main">
+  <p:cSld>
+    <p:spTree>
+      <p:nvGrpSpPr>
+        <p:cNvPr id="1" name=""/>
+        <p:cNvGrpSpPr/>
+        <p:nvPr/>
+      </p:nvGrpSpPr>
+      <p:grpSpPr>
+        <a:xfrm>
+          <a:off x="0" y="0"/>
+          <a:ext cx="0" cy="0"/>
+          <a:chOff x="0" y="0"/>
+          <a:chExt cx="0" cy="0"/>
+        </a:xfrm>
+      </p:grpSpPr>
+      <p:grpSp>
+        <p:nvGrpSpPr>
+          <p:cNvPr id="3" name="Group 2"/>
+          <p:cNvGrpSpPr/>
+          <p:nvPr/>
+        </p:nvGrpSpPr>
+        <p:grpSpPr>
+          <a:xfrm>
+            <a:off x="1151062" y="989700"/>
+            <a:ext cx="6863385" cy="4970036"/>
+            <a:chOff x="1645920" y="1602889"/>
+            <a:chExt cx="2431227" cy="1857149"/>
+          </a:xfrm>
+        </p:grpSpPr>
+        <p:pic>
+          <p:nvPicPr>
+            <p:cNvPr id="2" name="Picture 1"/>
+            <p:cNvPicPr>
+              <a:picLocks noChangeAspect="1"/>
+            </p:cNvPicPr>
+            <p:nvPr/>
+          </p:nvPicPr>
+          <p:blipFill>
+            <a:blip r:embed="rId2">
+              <a:extLst>
+                <a:ext uri="{28A0092B-C50C-407E-A947-70E740481C1C}">
+                  <a14:useLocalDpi xmlns:a14="http://schemas.microsoft.com/office/drawing/2010/main" val="0"/>
+                </a:ext>
+              </a:extLst>
+            </a:blip>
+            <a:stretch>
+              <a:fillRect/>
+            </a:stretch>
+          </p:blipFill>
+          <p:spPr>
+            <a:xfrm>
+              <a:off x="1645920" y="1602889"/>
+              <a:ext cx="1721222" cy="1460967"/>
+            </a:xfrm>
+            <a:prstGeom prst="rect">
+              <a:avLst/>
+            </a:prstGeom>
+          </p:spPr>
+        </p:pic>
+        <p:pic>
+          <p:nvPicPr>
+            <p:cNvPr id="3074" name="Picture 2"/>
+            <p:cNvPicPr>
+              <a:picLocks noChangeAspect="1" noChangeArrowheads="1"/>
+            </p:cNvPicPr>
+            <p:nvPr/>
+          </p:nvPicPr>
+          <p:blipFill>
+            <a:blip r:embed="rId3">
+              <a:extLst>
+                <a:ext uri="{28A0092B-C50C-407E-A947-70E740481C1C}">
+                  <a14:useLocalDpi xmlns:a14="http://schemas.microsoft.com/office/drawing/2010/main" val="0"/>
+                </a:ext>
+              </a:extLst>
+            </a:blip>
+            <a:srcRect/>
+            <a:stretch>
+              <a:fillRect/>
+            </a:stretch>
+          </p:blipFill>
+          <p:spPr bwMode="auto">
+            <a:xfrm>
+              <a:off x="2657137" y="2108498"/>
+              <a:ext cx="1420010" cy="1351540"/>
+            </a:xfrm>
+            <a:prstGeom prst="rect">
+              <a:avLst/>
+            </a:prstGeom>
+            <a:noFill/>
+            <a:ln>
+              <a:noFill/>
+            </a:ln>
+            <a:extLst>
+              <a:ext uri="{909E8E84-426E-40DD-AFC4-6F175D3DCCD1}">
+                <a14:hiddenFill xmlns:a14="http://schemas.microsoft.com/office/drawing/2010/main">
+                  <a:solidFill>
+                    <a:schemeClr val="accent1"/>
+                  </a:solidFill>
+                </a14:hiddenFill>
+              </a:ext>
+              <a:ext uri="{91240B29-F687-4F45-9708-019B960494DF}">
+                <a14:hiddenLine xmlns:a14="http://schemas.microsoft.com/office/drawing/2010/main" w="9525">
+                  <a:solidFill>
+                    <a:schemeClr val="tx1"/>
+                  </a:solidFill>
+                  <a:miter lim="800000"/>
+                  <a:headEnd/>
+                  <a:tailEnd/>
+                </a14:hiddenLine>
+              </a:ext>
+            </a:extLst>
+          </p:spPr>
+        </p:pic>
+      </p:grpSp>
+    </p:spTree>
+    <p:extLst>
+      <p:ext uri="{BB962C8B-B14F-4D97-AF65-F5344CB8AC3E}">
+        <p14:creationId xmlns:p14="http://schemas.microsoft.com/office/powerpoint/2010/main" val="1382187850"/>
+      </p:ext>
+    </p:extLst>
+  </p:cSld>
+  <p:clrMapOvr>
+    <a:masterClrMapping/>
+  </p:clrMapOvr>
+</p:sld>
+</file>
+
+<file path=ppt/slides/slide6.xml><?xml version="1.0" encoding="utf-8"?>
 <p:sld xmlns:a="http://schemas.openxmlformats.org/drawingml/2006/main" xmlns:r="http://schemas.openxmlformats.org/officeDocument/2006/relationships" xmlns:p="http://schemas.openxmlformats.org/presentationml/2006/main">
   <p:cSld>
     <p:spTree>
@@ -3496,7 +6240,7 @@
 </p:sld>
 </file>
 
-<file path=ppt/slides/slide3.xml><?xml version="1.0" encoding="utf-8"?>
+<file path=ppt/slides/slide7.xml><?xml version="1.0" encoding="utf-8"?>
 <p:sld xmlns:a="http://schemas.openxmlformats.org/drawingml/2006/main" xmlns:r="http://schemas.openxmlformats.org/officeDocument/2006/relationships" xmlns:p="http://schemas.openxmlformats.org/presentationml/2006/main">
   <p:cSld>
     <p:spTree>
@@ -3657,7 +6401,7 @@
 </p:sld>
 </file>
 
-<file path=ppt/slides/slide4.xml><?xml version="1.0" encoding="utf-8"?>
+<file path=ppt/slides/slide8.xml><?xml version="1.0" encoding="utf-8"?>
 <p:sld xmlns:a="http://schemas.openxmlformats.org/drawingml/2006/main" xmlns:r="http://schemas.openxmlformats.org/officeDocument/2006/relationships" xmlns:p="http://schemas.openxmlformats.org/presentationml/2006/main">
   <p:cSld>
     <p:spTree>
@@ -7728,7 +10472,7 @@
 </p:sld>
 </file>
 
-<file path=ppt/slides/slide5.xml><?xml version="1.0" encoding="utf-8"?>
+<file path=ppt/slides/slide9.xml><?xml version="1.0" encoding="utf-8"?>
 <p:sld xmlns:a="http://schemas.openxmlformats.org/drawingml/2006/main" xmlns:r="http://schemas.openxmlformats.org/officeDocument/2006/relationships" xmlns:p="http://schemas.openxmlformats.org/presentationml/2006/main">
   <p:cSld>
     <p:spTree>
@@ -7785,352 +10529,13 @@
   <p:clrMapOvr>
     <a:masterClrMapping/>
   </p:clrMapOvr>
-</p:sld>
-</file>
-
-<file path=ppt/slides/slide6.xml><?xml version="1.0" encoding="utf-8"?>
-<p:sld xmlns:a="http://schemas.openxmlformats.org/drawingml/2006/main" xmlns:r="http://schemas.openxmlformats.org/officeDocument/2006/relationships" xmlns:p="http://schemas.openxmlformats.org/presentationml/2006/main">
-  <p:cSld>
-    <p:spTree>
-      <p:nvGrpSpPr>
-        <p:cNvPr id="1" name=""/>
-        <p:cNvGrpSpPr/>
-        <p:nvPr/>
-      </p:nvGrpSpPr>
-      <p:grpSpPr>
-        <a:xfrm>
-          <a:off x="0" y="0"/>
-          <a:ext cx="0" cy="0"/>
-          <a:chOff x="0" y="0"/>
-          <a:chExt cx="0" cy="0"/>
-        </a:xfrm>
-      </p:grpSpPr>
-      <p:sp>
-        <p:nvSpPr>
-          <p:cNvPr id="2" name="Title 1"/>
-          <p:cNvSpPr>
-            <a:spLocks noGrp="1"/>
-          </p:cNvSpPr>
-          <p:nvPr>
-            <p:ph type="title"/>
-          </p:nvPr>
-        </p:nvSpPr>
-        <p:spPr/>
-        <p:txBody>
-          <a:bodyPr/>
-          <a:lstStyle/>
-          <a:p>
-            <a:r>
-              <a:rPr lang="en-US" dirty="0" smtClean="0"/>
-              <a:t>Our goal -- step</a:t>
-            </a:r>
-            <a:endParaRPr lang="en-US" dirty="0"/>
-          </a:p>
-        </p:txBody>
-      </p:sp>
-      <p:sp>
-        <p:nvSpPr>
-          <p:cNvPr id="3" name="Content Placeholder 2"/>
-          <p:cNvSpPr>
-            <a:spLocks noGrp="1"/>
-          </p:cNvSpPr>
-          <p:nvPr>
-            <p:ph idx="1"/>
-          </p:nvPr>
-        </p:nvSpPr>
-        <p:spPr/>
-        <p:txBody>
-          <a:bodyPr/>
-          <a:lstStyle/>
-          <a:p>
-            <a:r>
-              <a:rPr lang="en-US" dirty="0" smtClean="0"/>
-              <a:t>Three basic clusters of cell populations</a:t>
-            </a:r>
-          </a:p>
-          <a:p>
-            <a:pPr lvl="1"/>
-            <a:r>
-              <a:rPr lang="en-US" dirty="0" smtClean="0"/>
-              <a:t>D.I. value: 0.9 – 1.249</a:t>
-            </a:r>
-          </a:p>
-          <a:p>
-            <a:pPr lvl="1"/>
-            <a:r>
-              <a:rPr lang="en-US" dirty="0" smtClean="0"/>
-              <a:t>D.I. value: 1.250 – 2.299</a:t>
-            </a:r>
-          </a:p>
-          <a:p>
-            <a:pPr lvl="1"/>
-            <a:r>
-              <a:rPr lang="en-US" dirty="0" smtClean="0"/>
-              <a:t>D.I. value: &gt; 2.300</a:t>
-            </a:r>
-          </a:p>
-          <a:p>
-            <a:r>
-              <a:rPr lang="en-US" dirty="0" smtClean="0"/>
-              <a:t>Assuming equal C.V. across three populations, and estimated from “normal sample”: </a:t>
-            </a:r>
-          </a:p>
-          <a:p>
-            <a:r>
-              <a:rPr lang="en-US" dirty="0" smtClean="0"/>
-              <a:t>Three means: 1.001, 2.002, 3.003</a:t>
-            </a:r>
-          </a:p>
-          <a:p>
-            <a:endParaRPr lang="en-US" dirty="0" smtClean="0"/>
-          </a:p>
-        </p:txBody>
-      </p:sp>
-    </p:spTree>
-    <p:extLst>
-      <p:ext uri="{BB962C8B-B14F-4D97-AF65-F5344CB8AC3E}">
-        <p14:creationId xmlns:p14="http://schemas.microsoft.com/office/powerpoint/2010/main" val="4044279244"/>
-      </p:ext>
-    </p:extLst>
-  </p:cSld>
-  <p:clrMapOvr>
-    <a:masterClrMapping/>
-  </p:clrMapOvr>
-</p:sld>
-</file>
-
-<file path=ppt/slides/slide7.xml><?xml version="1.0" encoding="utf-8"?>
-<p:sld xmlns:a="http://schemas.openxmlformats.org/drawingml/2006/main" xmlns:r="http://schemas.openxmlformats.org/officeDocument/2006/relationships" xmlns:p="http://schemas.openxmlformats.org/presentationml/2006/main">
-  <p:cSld>
-    <p:spTree>
-      <p:nvGrpSpPr>
-        <p:cNvPr id="1" name=""/>
-        <p:cNvGrpSpPr/>
-        <p:nvPr/>
-      </p:nvGrpSpPr>
-      <p:grpSpPr>
-        <a:xfrm>
-          <a:off x="0" y="0"/>
-          <a:ext cx="0" cy="0"/>
-          <a:chOff x="0" y="0"/>
-          <a:chExt cx="0" cy="0"/>
-        </a:xfrm>
-      </p:grpSpPr>
-      <p:pic>
-        <p:nvPicPr>
-          <p:cNvPr id="2" name="Picture 1"/>
-          <p:cNvPicPr>
-            <a:picLocks noChangeAspect="1"/>
-          </p:cNvPicPr>
-          <p:nvPr/>
-        </p:nvPicPr>
-        <p:blipFill>
-          <a:blip r:embed="rId2">
-            <a:extLst>
-              <a:ext uri="{28A0092B-C50C-407E-A947-70E740481C1C}">
-                <a14:useLocalDpi xmlns:a14="http://schemas.microsoft.com/office/drawing/2010/main" val="0"/>
-              </a:ext>
-            </a:extLst>
-          </a:blip>
-          <a:stretch>
-            <a:fillRect/>
-          </a:stretch>
-        </p:blipFill>
-        <p:spPr>
-          <a:xfrm>
-            <a:off x="1371600" y="233362"/>
-            <a:ext cx="6400800" cy="6391275"/>
-          </a:xfrm>
-          <a:prstGeom prst="rect">
-            <a:avLst/>
-          </a:prstGeom>
-        </p:spPr>
-      </p:pic>
-    </p:spTree>
-    <p:extLst>
-      <p:ext uri="{BB962C8B-B14F-4D97-AF65-F5344CB8AC3E}">
-        <p14:creationId xmlns:p14="http://schemas.microsoft.com/office/powerpoint/2010/main" val="59041874"/>
-      </p:ext>
-    </p:extLst>
-  </p:cSld>
-  <p:clrMapOvr>
-    <a:masterClrMapping/>
-  </p:clrMapOvr>
-</p:sld>
-</file>
-
-<file path=ppt/slides/slide8.xml><?xml version="1.0" encoding="utf-8"?>
-<p:sld xmlns:a="http://schemas.openxmlformats.org/drawingml/2006/main" xmlns:r="http://schemas.openxmlformats.org/officeDocument/2006/relationships" xmlns:p="http://schemas.openxmlformats.org/presentationml/2006/main">
-  <p:cSld>
-    <p:spTree>
-      <p:nvGrpSpPr>
-        <p:cNvPr id="1" name=""/>
-        <p:cNvGrpSpPr/>
-        <p:nvPr/>
-      </p:nvGrpSpPr>
-      <p:grpSpPr>
-        <a:xfrm>
-          <a:off x="0" y="0"/>
-          <a:ext cx="0" cy="0"/>
-          <a:chOff x="0" y="0"/>
-          <a:chExt cx="0" cy="0"/>
-        </a:xfrm>
-      </p:grpSpPr>
-      <p:pic>
-        <p:nvPicPr>
-          <p:cNvPr id="2" name="Picture 1"/>
-          <p:cNvPicPr>
-            <a:picLocks noChangeAspect="1"/>
-          </p:cNvPicPr>
-          <p:nvPr/>
-        </p:nvPicPr>
-        <p:blipFill>
-          <a:blip r:embed="rId2">
-            <a:extLst>
-              <a:ext uri="{28A0092B-C50C-407E-A947-70E740481C1C}">
-                <a14:useLocalDpi xmlns:a14="http://schemas.microsoft.com/office/drawing/2010/main" val="0"/>
-              </a:ext>
-            </a:extLst>
-          </a:blip>
-          <a:stretch>
-            <a:fillRect/>
-          </a:stretch>
-        </p:blipFill>
-        <p:spPr>
-          <a:xfrm>
-            <a:off x="1371600" y="233362"/>
-            <a:ext cx="6400800" cy="6391275"/>
-          </a:xfrm>
-          <a:prstGeom prst="rect">
-            <a:avLst/>
-          </a:prstGeom>
-        </p:spPr>
-      </p:pic>
-    </p:spTree>
-    <p:extLst>
-      <p:ext uri="{BB962C8B-B14F-4D97-AF65-F5344CB8AC3E}">
-        <p14:creationId xmlns:p14="http://schemas.microsoft.com/office/powerpoint/2010/main" val="2787794842"/>
-      </p:ext>
-    </p:extLst>
-  </p:cSld>
-  <p:clrMapOvr>
-    <a:masterClrMapping/>
-  </p:clrMapOvr>
-</p:sld>
-</file>
-
-<file path=ppt/slides/slide9.xml><?xml version="1.0" encoding="utf-8"?>
-<p:sld xmlns:a="http://schemas.openxmlformats.org/drawingml/2006/main" xmlns:r="http://schemas.openxmlformats.org/officeDocument/2006/relationships" xmlns:p="http://schemas.openxmlformats.org/presentationml/2006/main">
-  <p:cSld>
-    <p:spTree>
-      <p:nvGrpSpPr>
-        <p:cNvPr id="1" name=""/>
-        <p:cNvGrpSpPr/>
-        <p:nvPr/>
-      </p:nvGrpSpPr>
-      <p:grpSpPr>
-        <a:xfrm>
-          <a:off x="0" y="0"/>
-          <a:ext cx="0" cy="0"/>
-          <a:chOff x="0" y="0"/>
-          <a:chExt cx="0" cy="0"/>
-        </a:xfrm>
-      </p:grpSpPr>
-      <p:sp>
-        <p:nvSpPr>
-          <p:cNvPr id="2" name="Title 1"/>
-          <p:cNvSpPr>
-            <a:spLocks noGrp="1"/>
-          </p:cNvSpPr>
-          <p:nvPr>
-            <p:ph type="title"/>
-          </p:nvPr>
-        </p:nvSpPr>
-        <p:spPr/>
-        <p:txBody>
-          <a:bodyPr/>
-          <a:lstStyle/>
-          <a:p>
-            <a:r>
-              <a:rPr lang="en-US" dirty="0" smtClean="0"/>
-              <a:t>Our hurdle</a:t>
-            </a:r>
-            <a:endParaRPr lang="en-US" dirty="0"/>
-          </a:p>
-        </p:txBody>
-      </p:sp>
-      <p:sp>
-        <p:nvSpPr>
-          <p:cNvPr id="3" name="Content Placeholder 2"/>
-          <p:cNvSpPr>
-            <a:spLocks noGrp="1"/>
-          </p:cNvSpPr>
-          <p:nvPr>
-            <p:ph idx="1"/>
-          </p:nvPr>
-        </p:nvSpPr>
-        <p:spPr/>
-        <p:txBody>
-          <a:bodyPr/>
-          <a:lstStyle/>
-          <a:p>
-            <a:r>
-              <a:rPr lang="en-US" dirty="0" smtClean="0"/>
-              <a:t>Too much information from “normal” cluster</a:t>
-            </a:r>
-          </a:p>
-          <a:p>
-            <a:r>
-              <a:rPr lang="en-US" dirty="0" smtClean="0"/>
-              <a:t>Possible to detect the “mitotic” stage</a:t>
-            </a:r>
-          </a:p>
-          <a:p>
-            <a:r>
-              <a:rPr lang="en-US" dirty="0" smtClean="0"/>
-              <a:t>Impossible to detect “aneuploidy” stage</a:t>
-            </a:r>
-          </a:p>
-          <a:p>
-            <a:r>
-              <a:rPr lang="en-US" dirty="0" smtClean="0"/>
-              <a:t>Need to strip out the “normal” information first, but how?</a:t>
-            </a:r>
-          </a:p>
-          <a:p>
-            <a:pPr lvl="1"/>
-            <a:r>
-              <a:rPr lang="en-US" dirty="0" smtClean="0"/>
-              <a:t>Don’t know</a:t>
-            </a:r>
-          </a:p>
-          <a:p>
-            <a:pPr lvl="1"/>
-            <a:r>
-              <a:rPr lang="en-US" dirty="0" smtClean="0"/>
-              <a:t>Don’t know</a:t>
-            </a:r>
-          </a:p>
-          <a:p>
-            <a:pPr lvl="1"/>
-            <a:r>
-              <a:rPr lang="en-US" dirty="0" smtClean="0"/>
-              <a:t>Don’t know</a:t>
-            </a:r>
-            <a:endParaRPr lang="en-US" dirty="0"/>
-          </a:p>
-        </p:txBody>
-      </p:sp>
-    </p:spTree>
-    <p:extLst>
-      <p:ext uri="{BB962C8B-B14F-4D97-AF65-F5344CB8AC3E}">
-        <p14:creationId xmlns:p14="http://schemas.microsoft.com/office/powerpoint/2010/main" val="321139927"/>
-      </p:ext>
-    </p:extLst>
-  </p:cSld>
-  <p:clrMapOvr>
-    <a:masterClrMapping/>
-  </p:clrMapOvr>
+  <p:timing>
+    <p:tnLst>
+      <p:par>
+        <p:cTn id="1" dur="indefinite" restart="never" nodeType="tmRoot"/>
+      </p:par>
+    </p:tnLst>
+  </p:timing>
 </p:sld>
 </file>
 
